--- a/notes/csc493-ln001.pptx
+++ b/notes/csc493-ln001.pptx
@@ -5,10 +5,10 @@
     <p:sldMasterId id="2147483651" r:id="rId1"/>
   </p:sldMasterIdLst>
   <p:notesMasterIdLst>
-    <p:notesMasterId r:id="rId10"/>
+    <p:notesMasterId r:id="rId12"/>
   </p:notesMasterIdLst>
   <p:handoutMasterIdLst>
-    <p:handoutMasterId r:id="rId11"/>
+    <p:handoutMasterId r:id="rId13"/>
   </p:handoutMasterIdLst>
   <p:sldIdLst>
     <p:sldId id="268" r:id="rId2"/>
@@ -18,7 +18,9 @@
     <p:sldId id="273" r:id="rId6"/>
     <p:sldId id="272" r:id="rId7"/>
     <p:sldId id="274" r:id="rId8"/>
-    <p:sldId id="275" r:id="rId9"/>
+    <p:sldId id="276" r:id="rId9"/>
+    <p:sldId id="277" r:id="rId10"/>
+    <p:sldId id="278" r:id="rId11"/>
   </p:sldIdLst>
   <p:sldSz cx="9144000" cy="6858000" type="screen4x3"/>
   <p:notesSz cx="6856413" cy="9083675"/>
@@ -225,14 +227,14 @@
           <a:effectLst/>
           <a:extLst>
             <a:ext uri="{909E8E84-426E-40dd-AFC4-6F175D3DCCD1}">
-              <a14:hiddenFill xmlns="" xmlns:a14="http://schemas.microsoft.com/office/drawing/2010/main">
+              <a14:hiddenFill xmlns:a14="http://schemas.microsoft.com/office/drawing/2010/main" xmlns="">
                 <a:solidFill>
                   <a:schemeClr val="accent1"/>
                 </a:solidFill>
               </a14:hiddenFill>
             </a:ext>
             <a:ext uri="{91240B29-F687-4f45-9708-019B960494DF}">
-              <a14:hiddenLine xmlns="" xmlns:a14="http://schemas.microsoft.com/office/drawing/2010/main" w="9525">
+              <a14:hiddenLine xmlns:a14="http://schemas.microsoft.com/office/drawing/2010/main" xmlns="" w="9525">
                 <a:solidFill>
                   <a:schemeClr val="tx1"/>
                 </a:solidFill>
@@ -242,7 +244,7 @@
               </a14:hiddenLine>
             </a:ext>
             <a:ext uri="{AF507438-7753-43e0-B8FC-AC1667EBCBE1}">
-              <a14:hiddenEffects xmlns="" xmlns:a14="http://schemas.microsoft.com/office/drawing/2010/main">
+              <a14:hiddenEffects xmlns:a14="http://schemas.microsoft.com/office/drawing/2010/main" xmlns="">
                 <a:effectLst>
                   <a:outerShdw blurRad="63500" dist="38099" dir="2700000" algn="ctr" rotWithShape="0">
                     <a:schemeClr val="bg2">
@@ -253,7 +255,7 @@
               </a14:hiddenEffects>
             </a:ext>
             <a:ext uri="{FAA26D3D-D897-4be2-8F04-BA451C77F1D7}">
-              <ma14:placeholderFlag xmlns="" xmlns:ma14="http://schemas.microsoft.com/office/mac/drawingml/2011/main" val="1"/>
+              <ma14:placeholderFlag xmlns:ma14="http://schemas.microsoft.com/office/mac/drawingml/2011/main" xmlns="" val="1"/>
             </a:ext>
           </a:extLst>
         </p:spPr>
@@ -311,14 +313,14 @@
           <a:effectLst/>
           <a:extLst>
             <a:ext uri="{909E8E84-426E-40dd-AFC4-6F175D3DCCD1}">
-              <a14:hiddenFill xmlns="" xmlns:a14="http://schemas.microsoft.com/office/drawing/2010/main">
+              <a14:hiddenFill xmlns:a14="http://schemas.microsoft.com/office/drawing/2010/main" xmlns="">
                 <a:solidFill>
                   <a:schemeClr val="accent1"/>
                 </a:solidFill>
               </a14:hiddenFill>
             </a:ext>
             <a:ext uri="{91240B29-F687-4f45-9708-019B960494DF}">
-              <a14:hiddenLine xmlns="" xmlns:a14="http://schemas.microsoft.com/office/drawing/2010/main" w="9525">
+              <a14:hiddenLine xmlns:a14="http://schemas.microsoft.com/office/drawing/2010/main" xmlns="" w="9525">
                 <a:solidFill>
                   <a:schemeClr val="tx1"/>
                 </a:solidFill>
@@ -328,7 +330,7 @@
               </a14:hiddenLine>
             </a:ext>
             <a:ext uri="{AF507438-7753-43e0-B8FC-AC1667EBCBE1}">
-              <a14:hiddenEffects xmlns="" xmlns:a14="http://schemas.microsoft.com/office/drawing/2010/main">
+              <a14:hiddenEffects xmlns:a14="http://schemas.microsoft.com/office/drawing/2010/main" xmlns="">
                 <a:effectLst>
                   <a:outerShdw blurRad="63500" dist="38099" dir="2700000" algn="ctr" rotWithShape="0">
                     <a:schemeClr val="bg2">
@@ -339,7 +341,7 @@
               </a14:hiddenEffects>
             </a:ext>
             <a:ext uri="{FAA26D3D-D897-4be2-8F04-BA451C77F1D7}">
-              <ma14:placeholderFlag xmlns="" xmlns:ma14="http://schemas.microsoft.com/office/mac/drawingml/2011/main" val="1"/>
+              <ma14:placeholderFlag xmlns:ma14="http://schemas.microsoft.com/office/mac/drawingml/2011/main" xmlns="" val="1"/>
             </a:ext>
           </a:extLst>
         </p:spPr>
@@ -397,14 +399,14 @@
           <a:effectLst/>
           <a:extLst>
             <a:ext uri="{909E8E84-426E-40dd-AFC4-6F175D3DCCD1}">
-              <a14:hiddenFill xmlns="" xmlns:a14="http://schemas.microsoft.com/office/drawing/2010/main">
+              <a14:hiddenFill xmlns:a14="http://schemas.microsoft.com/office/drawing/2010/main" xmlns="">
                 <a:solidFill>
                   <a:schemeClr val="accent1"/>
                 </a:solidFill>
               </a14:hiddenFill>
             </a:ext>
             <a:ext uri="{91240B29-F687-4f45-9708-019B960494DF}">
-              <a14:hiddenLine xmlns="" xmlns:a14="http://schemas.microsoft.com/office/drawing/2010/main" w="9525">
+              <a14:hiddenLine xmlns:a14="http://schemas.microsoft.com/office/drawing/2010/main" xmlns="" w="9525">
                 <a:solidFill>
                   <a:schemeClr val="tx1"/>
                 </a:solidFill>
@@ -414,7 +416,7 @@
               </a14:hiddenLine>
             </a:ext>
             <a:ext uri="{AF507438-7753-43e0-B8FC-AC1667EBCBE1}">
-              <a14:hiddenEffects xmlns="" xmlns:a14="http://schemas.microsoft.com/office/drawing/2010/main">
+              <a14:hiddenEffects xmlns:a14="http://schemas.microsoft.com/office/drawing/2010/main" xmlns="">
                 <a:effectLst>
                   <a:outerShdw blurRad="63500" dist="38099" dir="2700000" algn="ctr" rotWithShape="0">
                     <a:schemeClr val="bg2">
@@ -425,7 +427,7 @@
               </a14:hiddenEffects>
             </a:ext>
             <a:ext uri="{FAA26D3D-D897-4be2-8F04-BA451C77F1D7}">
-              <ma14:placeholderFlag xmlns="" xmlns:ma14="http://schemas.microsoft.com/office/mac/drawingml/2011/main" val="1"/>
+              <ma14:placeholderFlag xmlns:ma14="http://schemas.microsoft.com/office/mac/drawingml/2011/main" xmlns="" val="1"/>
             </a:ext>
           </a:extLst>
         </p:spPr>
@@ -483,14 +485,14 @@
           <a:effectLst/>
           <a:extLst>
             <a:ext uri="{909E8E84-426E-40dd-AFC4-6F175D3DCCD1}">
-              <a14:hiddenFill xmlns="" xmlns:a14="http://schemas.microsoft.com/office/drawing/2010/main">
+              <a14:hiddenFill xmlns:a14="http://schemas.microsoft.com/office/drawing/2010/main" xmlns="">
                 <a:solidFill>
                   <a:schemeClr val="accent1"/>
                 </a:solidFill>
               </a14:hiddenFill>
             </a:ext>
             <a:ext uri="{91240B29-F687-4f45-9708-019B960494DF}">
-              <a14:hiddenLine xmlns="" xmlns:a14="http://schemas.microsoft.com/office/drawing/2010/main" w="9525">
+              <a14:hiddenLine xmlns:a14="http://schemas.microsoft.com/office/drawing/2010/main" xmlns="" w="9525">
                 <a:solidFill>
                   <a:schemeClr val="tx1"/>
                 </a:solidFill>
@@ -500,7 +502,7 @@
               </a14:hiddenLine>
             </a:ext>
             <a:ext uri="{AF507438-7753-43e0-B8FC-AC1667EBCBE1}">
-              <a14:hiddenEffects xmlns="" xmlns:a14="http://schemas.microsoft.com/office/drawing/2010/main">
+              <a14:hiddenEffects xmlns:a14="http://schemas.microsoft.com/office/drawing/2010/main" xmlns="">
                 <a:effectLst>
                   <a:outerShdw blurRad="63500" dist="38099" dir="2700000" algn="ctr" rotWithShape="0">
                     <a:schemeClr val="bg2">
@@ -511,7 +513,7 @@
               </a14:hiddenEffects>
             </a:ext>
             <a:ext uri="{FAA26D3D-D897-4be2-8F04-BA451C77F1D7}">
-              <ma14:placeholderFlag xmlns="" xmlns:ma14="http://schemas.microsoft.com/office/mac/drawingml/2011/main" val="1"/>
+              <ma14:placeholderFlag xmlns:ma14="http://schemas.microsoft.com/office/mac/drawingml/2011/main" xmlns="" val="1"/>
             </a:ext>
           </a:extLst>
         </p:spPr>
@@ -603,14 +605,14 @@
           <a:effectLst/>
           <a:extLst>
             <a:ext uri="{909E8E84-426E-40dd-AFC4-6F175D3DCCD1}">
-              <a14:hiddenFill xmlns="" xmlns:a14="http://schemas.microsoft.com/office/drawing/2010/main">
+              <a14:hiddenFill xmlns:a14="http://schemas.microsoft.com/office/drawing/2010/main" xmlns="">
                 <a:solidFill>
                   <a:schemeClr val="accent1"/>
                 </a:solidFill>
               </a14:hiddenFill>
             </a:ext>
             <a:ext uri="{91240B29-F687-4f45-9708-019B960494DF}">
-              <a14:hiddenLine xmlns="" xmlns:a14="http://schemas.microsoft.com/office/drawing/2010/main" w="9525">
+              <a14:hiddenLine xmlns:a14="http://schemas.microsoft.com/office/drawing/2010/main" xmlns="" w="9525">
                 <a:solidFill>
                   <a:schemeClr val="tx1"/>
                 </a:solidFill>
@@ -620,7 +622,7 @@
               </a14:hiddenLine>
             </a:ext>
             <a:ext uri="{AF507438-7753-43e0-B8FC-AC1667EBCBE1}">
-              <a14:hiddenEffects xmlns="" xmlns:a14="http://schemas.microsoft.com/office/drawing/2010/main">
+              <a14:hiddenEffects xmlns:a14="http://schemas.microsoft.com/office/drawing/2010/main" xmlns="">
                 <a:effectLst>
                   <a:outerShdw blurRad="63500" dist="38099" dir="2700000" algn="ctr" rotWithShape="0">
                     <a:schemeClr val="bg2">
@@ -631,7 +633,7 @@
               </a14:hiddenEffects>
             </a:ext>
             <a:ext uri="{FAA26D3D-D897-4be2-8F04-BA451C77F1D7}">
-              <ma14:placeholderFlag xmlns="" xmlns:ma14="http://schemas.microsoft.com/office/mac/drawingml/2011/main" val="1"/>
+              <ma14:placeholderFlag xmlns:ma14="http://schemas.microsoft.com/office/mac/drawingml/2011/main" xmlns="" val="1"/>
             </a:ext>
           </a:extLst>
         </p:spPr>
@@ -689,14 +691,14 @@
           <a:effectLst/>
           <a:extLst>
             <a:ext uri="{909E8E84-426E-40dd-AFC4-6F175D3DCCD1}">
-              <a14:hiddenFill xmlns="" xmlns:a14="http://schemas.microsoft.com/office/drawing/2010/main">
+              <a14:hiddenFill xmlns:a14="http://schemas.microsoft.com/office/drawing/2010/main" xmlns="">
                 <a:solidFill>
                   <a:schemeClr val="accent1"/>
                 </a:solidFill>
               </a14:hiddenFill>
             </a:ext>
             <a:ext uri="{91240B29-F687-4f45-9708-019B960494DF}">
-              <a14:hiddenLine xmlns="" xmlns:a14="http://schemas.microsoft.com/office/drawing/2010/main" w="9525">
+              <a14:hiddenLine xmlns:a14="http://schemas.microsoft.com/office/drawing/2010/main" xmlns="" w="9525">
                 <a:solidFill>
                   <a:schemeClr val="tx1"/>
                 </a:solidFill>
@@ -706,7 +708,7 @@
               </a14:hiddenLine>
             </a:ext>
             <a:ext uri="{AF507438-7753-43e0-B8FC-AC1667EBCBE1}">
-              <a14:hiddenEffects xmlns="" xmlns:a14="http://schemas.microsoft.com/office/drawing/2010/main">
+              <a14:hiddenEffects xmlns:a14="http://schemas.microsoft.com/office/drawing/2010/main" xmlns="">
                 <a:effectLst>
                   <a:outerShdw blurRad="63500" dist="38099" dir="2700000" algn="ctr" rotWithShape="0">
                     <a:schemeClr val="bg2">
@@ -717,7 +719,7 @@
               </a14:hiddenEffects>
             </a:ext>
             <a:ext uri="{FAA26D3D-D897-4be2-8F04-BA451C77F1D7}">
-              <ma14:placeholderFlag xmlns="" xmlns:ma14="http://schemas.microsoft.com/office/mac/drawingml/2011/main" val="1"/>
+              <ma14:placeholderFlag xmlns:ma14="http://schemas.microsoft.com/office/mac/drawingml/2011/main" xmlns="" val="1"/>
             </a:ext>
           </a:extLst>
         </p:spPr>
@@ -780,7 +782,7 @@
           <a:effectLst/>
           <a:extLst>
             <a:ext uri="{AF507438-7753-43e0-B8FC-AC1667EBCBE1}">
-              <a14:hiddenEffects xmlns="" xmlns:a14="http://schemas.microsoft.com/office/drawing/2010/main">
+              <a14:hiddenEffects xmlns:a14="http://schemas.microsoft.com/office/drawing/2010/main" xmlns="">
                 <a:effectLst>
                   <a:outerShdw blurRad="63500" dist="38099" dir="2700000" algn="ctr" rotWithShape="0">
                     <a:srgbClr val="000000">
@@ -791,7 +793,7 @@
               </a14:hiddenEffects>
             </a:ext>
             <a:ext uri="{53640926-AAD7-44d8-BBD7-CCE9431645EC}">
-              <a14:shadowObscured xmlns="" xmlns:a14="http://schemas.microsoft.com/office/drawing/2010/main" val="1"/>
+              <a14:shadowObscured xmlns:a14="http://schemas.microsoft.com/office/drawing/2010/main" xmlns="" val="1"/>
             </a:ext>
           </a:extLst>
         </p:spPr>
@@ -827,14 +829,14 @@
           <a:effectLst/>
           <a:extLst>
             <a:ext uri="{909E8E84-426E-40dd-AFC4-6F175D3DCCD1}">
-              <a14:hiddenFill xmlns="" xmlns:a14="http://schemas.microsoft.com/office/drawing/2010/main">
+              <a14:hiddenFill xmlns:a14="http://schemas.microsoft.com/office/drawing/2010/main" xmlns="">
                 <a:solidFill>
                   <a:schemeClr val="accent1"/>
                 </a:solidFill>
               </a14:hiddenFill>
             </a:ext>
             <a:ext uri="{91240B29-F687-4f45-9708-019B960494DF}">
-              <a14:hiddenLine xmlns="" xmlns:a14="http://schemas.microsoft.com/office/drawing/2010/main" w="9525">
+              <a14:hiddenLine xmlns:a14="http://schemas.microsoft.com/office/drawing/2010/main" xmlns="" w="9525">
                 <a:solidFill>
                   <a:schemeClr val="tx1"/>
                 </a:solidFill>
@@ -844,7 +846,7 @@
               </a14:hiddenLine>
             </a:ext>
             <a:ext uri="{AF507438-7753-43e0-B8FC-AC1667EBCBE1}">
-              <a14:hiddenEffects xmlns="" xmlns:a14="http://schemas.microsoft.com/office/drawing/2010/main">
+              <a14:hiddenEffects xmlns:a14="http://schemas.microsoft.com/office/drawing/2010/main" xmlns="">
                 <a:effectLst>
                   <a:outerShdw blurRad="63500" dist="38099" dir="2700000" algn="ctr" rotWithShape="0">
                     <a:schemeClr val="bg2">
@@ -855,7 +857,7 @@
               </a14:hiddenEffects>
             </a:ext>
             <a:ext uri="{FAA26D3D-D897-4be2-8F04-BA451C77F1D7}">
-              <ma14:placeholderFlag xmlns="" xmlns:ma14="http://schemas.microsoft.com/office/mac/drawingml/2011/main" val="1"/>
+              <ma14:placeholderFlag xmlns:ma14="http://schemas.microsoft.com/office/mac/drawingml/2011/main" xmlns="" val="1"/>
             </a:ext>
           </a:extLst>
         </p:spPr>
@@ -934,14 +936,14 @@
           <a:effectLst/>
           <a:extLst>
             <a:ext uri="{909E8E84-426E-40dd-AFC4-6F175D3DCCD1}">
-              <a14:hiddenFill xmlns="" xmlns:a14="http://schemas.microsoft.com/office/drawing/2010/main">
+              <a14:hiddenFill xmlns:a14="http://schemas.microsoft.com/office/drawing/2010/main" xmlns="">
                 <a:solidFill>
                   <a:schemeClr val="accent1"/>
                 </a:solidFill>
               </a14:hiddenFill>
             </a:ext>
             <a:ext uri="{91240B29-F687-4f45-9708-019B960494DF}">
-              <a14:hiddenLine xmlns="" xmlns:a14="http://schemas.microsoft.com/office/drawing/2010/main" w="9525">
+              <a14:hiddenLine xmlns:a14="http://schemas.microsoft.com/office/drawing/2010/main" xmlns="" w="9525">
                 <a:solidFill>
                   <a:schemeClr val="tx1"/>
                 </a:solidFill>
@@ -951,7 +953,7 @@
               </a14:hiddenLine>
             </a:ext>
             <a:ext uri="{AF507438-7753-43e0-B8FC-AC1667EBCBE1}">
-              <a14:hiddenEffects xmlns="" xmlns:a14="http://schemas.microsoft.com/office/drawing/2010/main">
+              <a14:hiddenEffects xmlns:a14="http://schemas.microsoft.com/office/drawing/2010/main" xmlns="">
                 <a:effectLst>
                   <a:outerShdw blurRad="63500" dist="38099" dir="2700000" algn="ctr" rotWithShape="0">
                     <a:schemeClr val="bg2">
@@ -962,7 +964,7 @@
               </a14:hiddenEffects>
             </a:ext>
             <a:ext uri="{FAA26D3D-D897-4be2-8F04-BA451C77F1D7}">
-              <ma14:placeholderFlag xmlns="" xmlns:ma14="http://schemas.microsoft.com/office/mac/drawingml/2011/main" val="1"/>
+              <ma14:placeholderFlag xmlns:ma14="http://schemas.microsoft.com/office/mac/drawingml/2011/main" xmlns="" val="1"/>
             </a:ext>
           </a:extLst>
         </p:spPr>
@@ -1020,14 +1022,14 @@
           <a:effectLst/>
           <a:extLst>
             <a:ext uri="{909E8E84-426E-40dd-AFC4-6F175D3DCCD1}">
-              <a14:hiddenFill xmlns="" xmlns:a14="http://schemas.microsoft.com/office/drawing/2010/main">
+              <a14:hiddenFill xmlns:a14="http://schemas.microsoft.com/office/drawing/2010/main" xmlns="">
                 <a:solidFill>
                   <a:schemeClr val="accent1"/>
                 </a:solidFill>
               </a14:hiddenFill>
             </a:ext>
             <a:ext uri="{91240B29-F687-4f45-9708-019B960494DF}">
-              <a14:hiddenLine xmlns="" xmlns:a14="http://schemas.microsoft.com/office/drawing/2010/main" w="9525">
+              <a14:hiddenLine xmlns:a14="http://schemas.microsoft.com/office/drawing/2010/main" xmlns="" w="9525">
                 <a:solidFill>
                   <a:schemeClr val="tx1"/>
                 </a:solidFill>
@@ -1037,7 +1039,7 @@
               </a14:hiddenLine>
             </a:ext>
             <a:ext uri="{AF507438-7753-43e0-B8FC-AC1667EBCBE1}">
-              <a14:hiddenEffects xmlns="" xmlns:a14="http://schemas.microsoft.com/office/drawing/2010/main">
+              <a14:hiddenEffects xmlns:a14="http://schemas.microsoft.com/office/drawing/2010/main" xmlns="">
                 <a:effectLst>
                   <a:outerShdw blurRad="63500" dist="38099" dir="2700000" algn="ctr" rotWithShape="0">
                     <a:schemeClr val="bg2">
@@ -1048,7 +1050,7 @@
               </a14:hiddenEffects>
             </a:ext>
             <a:ext uri="{FAA26D3D-D897-4be2-8F04-BA451C77F1D7}">
-              <ma14:placeholderFlag xmlns="" xmlns:ma14="http://schemas.microsoft.com/office/mac/drawingml/2011/main" val="1"/>
+              <ma14:placeholderFlag xmlns:ma14="http://schemas.microsoft.com/office/mac/drawingml/2011/main" xmlns="" val="1"/>
             </a:ext>
           </a:extLst>
         </p:spPr>
@@ -1252,12 +1254,12 @@
           <a:effectLst/>
           <a:extLst>
             <a:ext uri="{909E8E84-426E-40dd-AFC4-6F175D3DCCD1}">
-              <a14:hiddenFill xmlns="" xmlns:a14="http://schemas.microsoft.com/office/drawing/2010/main">
+              <a14:hiddenFill xmlns:a14="http://schemas.microsoft.com/office/drawing/2010/main" xmlns="">
                 <a:noFill/>
               </a14:hiddenFill>
             </a:ext>
             <a:ext uri="{AF507438-7753-43e0-B8FC-AC1667EBCBE1}">
-              <a14:hiddenEffects xmlns="" xmlns:a14="http://schemas.microsoft.com/office/drawing/2010/main">
+              <a14:hiddenEffects xmlns:a14="http://schemas.microsoft.com/office/drawing/2010/main" xmlns="">
                 <a:effectLst>
                   <a:outerShdw blurRad="63500" dist="38099" dir="2700000" algn="ctr" rotWithShape="0">
                     <a:schemeClr val="bg2">
@@ -1372,14 +1374,14 @@
           </a:xfrm>
           <a:extLst>
             <a:ext uri="{909E8E84-426E-40dd-AFC4-6F175D3DCCD1}">
-              <a14:hiddenFill xmlns="" xmlns:a14="http://schemas.microsoft.com/office/drawing/2010/main">
+              <a14:hiddenFill xmlns:a14="http://schemas.microsoft.com/office/drawing/2010/main" xmlns="">
                 <a:solidFill>
                   <a:schemeClr val="accent1"/>
                 </a:solidFill>
               </a14:hiddenFill>
             </a:ext>
             <a:ext uri="{91240B29-F687-4f45-9708-019B960494DF}">
-              <a14:hiddenLine xmlns="" xmlns:a14="http://schemas.microsoft.com/office/drawing/2010/main" w="9525">
+              <a14:hiddenLine xmlns:a14="http://schemas.microsoft.com/office/drawing/2010/main" xmlns="" w="9525">
                 <a:solidFill>
                   <a:schemeClr val="tx1"/>
                 </a:solidFill>
@@ -1389,7 +1391,7 @@
               </a14:hiddenLine>
             </a:ext>
             <a:ext uri="{AF507438-7753-43e0-B8FC-AC1667EBCBE1}">
-              <a14:hiddenEffects xmlns="" xmlns:a14="http://schemas.microsoft.com/office/drawing/2010/main">
+              <a14:hiddenEffects xmlns:a14="http://schemas.microsoft.com/office/drawing/2010/main" xmlns="">
                 <a:effectLst>
                   <a:outerShdw blurRad="63500" dist="38099" dir="2700000" algn="ctr" rotWithShape="0">
                     <a:schemeClr val="bg2">
@@ -1400,7 +1402,7 @@
               </a14:hiddenEffects>
             </a:ext>
             <a:ext uri="{FAA26D3D-D897-4be2-8F04-BA451C77F1D7}">
-              <ma14:placeholderFlag xmlns="" xmlns:ma14="http://schemas.microsoft.com/office/mac/drawingml/2011/main" val="1"/>
+              <ma14:placeholderFlag xmlns:ma14="http://schemas.microsoft.com/office/mac/drawingml/2011/main" xmlns="" val="1"/>
             </a:ext>
           </a:extLst>
         </p:spPr>
@@ -1442,14 +1444,14 @@
           </a:xfrm>
           <a:extLst>
             <a:ext uri="{909E8E84-426E-40dd-AFC4-6F175D3DCCD1}">
-              <a14:hiddenFill xmlns="" xmlns:a14="http://schemas.microsoft.com/office/drawing/2010/main">
+              <a14:hiddenFill xmlns:a14="http://schemas.microsoft.com/office/drawing/2010/main" xmlns="">
                 <a:solidFill>
                   <a:schemeClr val="accent1"/>
                 </a:solidFill>
               </a14:hiddenFill>
             </a:ext>
             <a:ext uri="{91240B29-F687-4f45-9708-019B960494DF}">
-              <a14:hiddenLine xmlns="" xmlns:a14="http://schemas.microsoft.com/office/drawing/2010/main" w="9525">
+              <a14:hiddenLine xmlns:a14="http://schemas.microsoft.com/office/drawing/2010/main" xmlns="" w="9525">
                 <a:solidFill>
                   <a:schemeClr val="tx1"/>
                 </a:solidFill>
@@ -1459,7 +1461,7 @@
               </a14:hiddenLine>
             </a:ext>
             <a:ext uri="{AF507438-7753-43e0-B8FC-AC1667EBCBE1}">
-              <a14:hiddenEffects xmlns="" xmlns:a14="http://schemas.microsoft.com/office/drawing/2010/main">
+              <a14:hiddenEffects xmlns:a14="http://schemas.microsoft.com/office/drawing/2010/main" xmlns="">
                 <a:effectLst>
                   <a:outerShdw blurRad="63500" dist="38099" dir="2700000" algn="ctr" rotWithShape="0">
                     <a:schemeClr val="bg2">
@@ -1470,7 +1472,7 @@
               </a14:hiddenEffects>
             </a:ext>
             <a:ext uri="{FAA26D3D-D897-4be2-8F04-BA451C77F1D7}">
-              <ma14:placeholderFlag xmlns="" xmlns:ma14="http://schemas.microsoft.com/office/mac/drawingml/2011/main" val="1"/>
+              <ma14:placeholderFlag xmlns:ma14="http://schemas.microsoft.com/office/mac/drawingml/2011/main" xmlns="" val="1"/>
             </a:ext>
           </a:extLst>
         </p:spPr>
@@ -1512,14 +1514,14 @@
           </a:xfrm>
           <a:extLst>
             <a:ext uri="{909E8E84-426E-40dd-AFC4-6F175D3DCCD1}">
-              <a14:hiddenFill xmlns="" xmlns:a14="http://schemas.microsoft.com/office/drawing/2010/main">
+              <a14:hiddenFill xmlns:a14="http://schemas.microsoft.com/office/drawing/2010/main" xmlns="">
                 <a:solidFill>
                   <a:schemeClr val="accent1"/>
                 </a:solidFill>
               </a14:hiddenFill>
             </a:ext>
             <a:ext uri="{91240B29-F687-4f45-9708-019B960494DF}">
-              <a14:hiddenLine xmlns="" xmlns:a14="http://schemas.microsoft.com/office/drawing/2010/main" w="9525">
+              <a14:hiddenLine xmlns:a14="http://schemas.microsoft.com/office/drawing/2010/main" xmlns="" w="9525">
                 <a:solidFill>
                   <a:schemeClr val="tx1"/>
                 </a:solidFill>
@@ -1529,7 +1531,7 @@
               </a14:hiddenLine>
             </a:ext>
             <a:ext uri="{AF507438-7753-43e0-B8FC-AC1667EBCBE1}">
-              <a14:hiddenEffects xmlns="" xmlns:a14="http://schemas.microsoft.com/office/drawing/2010/main">
+              <a14:hiddenEffects xmlns:a14="http://schemas.microsoft.com/office/drawing/2010/main" xmlns="">
                 <a:effectLst>
                   <a:outerShdw blurRad="63500" dist="38099" dir="2700000" algn="ctr" rotWithShape="0">
                     <a:schemeClr val="bg2">
@@ -1540,7 +1542,7 @@
               </a14:hiddenEffects>
             </a:ext>
             <a:ext uri="{FAA26D3D-D897-4be2-8F04-BA451C77F1D7}">
-              <ma14:placeholderFlag xmlns="" xmlns:ma14="http://schemas.microsoft.com/office/mac/drawingml/2011/main" val="1"/>
+              <ma14:placeholderFlag xmlns:ma14="http://schemas.microsoft.com/office/mac/drawingml/2011/main" xmlns="" val="1"/>
             </a:ext>
           </a:extLst>
         </p:spPr>
@@ -4207,14 +4209,14 @@
           <a:effectLst/>
           <a:extLst>
             <a:ext uri="{909E8E84-426E-40dd-AFC4-6F175D3DCCD1}">
-              <a14:hiddenFill xmlns="" xmlns:a14="http://schemas.microsoft.com/office/drawing/2010/main">
+              <a14:hiddenFill xmlns:a14="http://schemas.microsoft.com/office/drawing/2010/main" xmlns="">
                 <a:solidFill>
                   <a:schemeClr val="accent1"/>
                 </a:solidFill>
               </a14:hiddenFill>
             </a:ext>
             <a:ext uri="{91240B29-F687-4f45-9708-019B960494DF}">
-              <a14:hiddenLine xmlns="" xmlns:a14="http://schemas.microsoft.com/office/drawing/2010/main" w="9525">
+              <a14:hiddenLine xmlns:a14="http://schemas.microsoft.com/office/drawing/2010/main" xmlns="" w="9525">
                 <a:solidFill>
                   <a:schemeClr val="tx1"/>
                 </a:solidFill>
@@ -4224,7 +4226,7 @@
               </a14:hiddenLine>
             </a:ext>
             <a:ext uri="{AF507438-7753-43e0-B8FC-AC1667EBCBE1}">
-              <a14:hiddenEffects xmlns="" xmlns:a14="http://schemas.microsoft.com/office/drawing/2010/main">
+              <a14:hiddenEffects xmlns:a14="http://schemas.microsoft.com/office/drawing/2010/main" xmlns="">
                 <a:effectLst>
                   <a:outerShdw blurRad="63500" dist="38099" dir="2700000" algn="ctr" rotWithShape="0">
                     <a:schemeClr val="bg2">
@@ -4235,7 +4237,7 @@
               </a14:hiddenEffects>
             </a:ext>
             <a:ext uri="{FAA26D3D-D897-4be2-8F04-BA451C77F1D7}">
-              <ma14:placeholderFlag xmlns="" xmlns:ma14="http://schemas.microsoft.com/office/mac/drawingml/2011/main" val="1"/>
+              <ma14:placeholderFlag xmlns:ma14="http://schemas.microsoft.com/office/mac/drawingml/2011/main" xmlns="" val="1"/>
             </a:ext>
           </a:extLst>
         </p:spPr>
@@ -4286,14 +4288,14 @@
           <a:effectLst/>
           <a:extLst>
             <a:ext uri="{909E8E84-426E-40dd-AFC4-6F175D3DCCD1}">
-              <a14:hiddenFill xmlns="" xmlns:a14="http://schemas.microsoft.com/office/drawing/2010/main">
+              <a14:hiddenFill xmlns:a14="http://schemas.microsoft.com/office/drawing/2010/main" xmlns="">
                 <a:solidFill>
                   <a:schemeClr val="accent1"/>
                 </a:solidFill>
               </a14:hiddenFill>
             </a:ext>
             <a:ext uri="{91240B29-F687-4f45-9708-019B960494DF}">
-              <a14:hiddenLine xmlns="" xmlns:a14="http://schemas.microsoft.com/office/drawing/2010/main" w="9525">
+              <a14:hiddenLine xmlns:a14="http://schemas.microsoft.com/office/drawing/2010/main" xmlns="" w="9525">
                 <a:solidFill>
                   <a:schemeClr val="tx1"/>
                 </a:solidFill>
@@ -4303,7 +4305,7 @@
               </a14:hiddenLine>
             </a:ext>
             <a:ext uri="{AF507438-7753-43e0-B8FC-AC1667EBCBE1}">
-              <a14:hiddenEffects xmlns="" xmlns:a14="http://schemas.microsoft.com/office/drawing/2010/main">
+              <a14:hiddenEffects xmlns:a14="http://schemas.microsoft.com/office/drawing/2010/main" xmlns="">
                 <a:effectLst>
                   <a:outerShdw blurRad="63500" dist="38099" dir="2700000" algn="ctr" rotWithShape="0">
                     <a:schemeClr val="bg2">
@@ -4314,7 +4316,7 @@
               </a14:hiddenEffects>
             </a:ext>
             <a:ext uri="{FAA26D3D-D897-4be2-8F04-BA451C77F1D7}">
-              <ma14:placeholderFlag xmlns="" xmlns:ma14="http://schemas.microsoft.com/office/mac/drawingml/2011/main" val="1"/>
+              <ma14:placeholderFlag xmlns:ma14="http://schemas.microsoft.com/office/mac/drawingml/2011/main" xmlns="" val="1"/>
             </a:ext>
           </a:extLst>
         </p:spPr>
@@ -4393,14 +4395,14 @@
           <a:effectLst/>
           <a:extLst>
             <a:ext uri="{909E8E84-426E-40dd-AFC4-6F175D3DCCD1}">
-              <a14:hiddenFill xmlns="" xmlns:a14="http://schemas.microsoft.com/office/drawing/2010/main">
+              <a14:hiddenFill xmlns:a14="http://schemas.microsoft.com/office/drawing/2010/main" xmlns="">
                 <a:solidFill>
                   <a:schemeClr val="accent1"/>
                 </a:solidFill>
               </a14:hiddenFill>
             </a:ext>
             <a:ext uri="{91240B29-F687-4f45-9708-019B960494DF}">
-              <a14:hiddenLine xmlns="" xmlns:a14="http://schemas.microsoft.com/office/drawing/2010/main" w="9525">
+              <a14:hiddenLine xmlns:a14="http://schemas.microsoft.com/office/drawing/2010/main" xmlns="" w="9525">
                 <a:solidFill>
                   <a:schemeClr val="tx1"/>
                 </a:solidFill>
@@ -4410,7 +4412,7 @@
               </a14:hiddenLine>
             </a:ext>
             <a:ext uri="{AF507438-7753-43e0-B8FC-AC1667EBCBE1}">
-              <a14:hiddenEffects xmlns="" xmlns:a14="http://schemas.microsoft.com/office/drawing/2010/main">
+              <a14:hiddenEffects xmlns:a14="http://schemas.microsoft.com/office/drawing/2010/main" xmlns="">
                 <a:effectLst>
                   <a:outerShdw blurRad="63500" dist="38099" dir="2700000" algn="ctr" rotWithShape="0">
                     <a:schemeClr val="bg2">
@@ -4421,7 +4423,7 @@
               </a14:hiddenEffects>
             </a:ext>
             <a:ext uri="{FAA26D3D-D897-4be2-8F04-BA451C77F1D7}">
-              <ma14:placeholderFlag xmlns="" xmlns:ma14="http://schemas.microsoft.com/office/mac/drawingml/2011/main" val="1"/>
+              <ma14:placeholderFlag xmlns:ma14="http://schemas.microsoft.com/office/mac/drawingml/2011/main" xmlns="" val="1"/>
             </a:ext>
           </a:extLst>
         </p:spPr>
@@ -4479,14 +4481,14 @@
           <a:effectLst/>
           <a:extLst>
             <a:ext uri="{909E8E84-426E-40dd-AFC4-6F175D3DCCD1}">
-              <a14:hiddenFill xmlns="" xmlns:a14="http://schemas.microsoft.com/office/drawing/2010/main">
+              <a14:hiddenFill xmlns:a14="http://schemas.microsoft.com/office/drawing/2010/main" xmlns="">
                 <a:solidFill>
                   <a:schemeClr val="accent1"/>
                 </a:solidFill>
               </a14:hiddenFill>
             </a:ext>
             <a:ext uri="{91240B29-F687-4f45-9708-019B960494DF}">
-              <a14:hiddenLine xmlns="" xmlns:a14="http://schemas.microsoft.com/office/drawing/2010/main" w="9525">
+              <a14:hiddenLine xmlns:a14="http://schemas.microsoft.com/office/drawing/2010/main" xmlns="" w="9525">
                 <a:solidFill>
                   <a:schemeClr val="tx1"/>
                 </a:solidFill>
@@ -4496,7 +4498,7 @@
               </a14:hiddenLine>
             </a:ext>
             <a:ext uri="{AF507438-7753-43e0-B8FC-AC1667EBCBE1}">
-              <a14:hiddenEffects xmlns="" xmlns:a14="http://schemas.microsoft.com/office/drawing/2010/main">
+              <a14:hiddenEffects xmlns:a14="http://schemas.microsoft.com/office/drawing/2010/main" xmlns="">
                 <a:effectLst>
                   <a:outerShdw blurRad="63500" dist="38099" dir="2700000" algn="ctr" rotWithShape="0">
                     <a:schemeClr val="bg2">
@@ -4507,7 +4509,7 @@
               </a14:hiddenEffects>
             </a:ext>
             <a:ext uri="{FAA26D3D-D897-4be2-8F04-BA451C77F1D7}">
-              <ma14:placeholderFlag xmlns="" xmlns:ma14="http://schemas.microsoft.com/office/mac/drawingml/2011/main" val="1"/>
+              <ma14:placeholderFlag xmlns:ma14="http://schemas.microsoft.com/office/mac/drawingml/2011/main" xmlns="" val="1"/>
             </a:ext>
           </a:extLst>
         </p:spPr>
@@ -4565,14 +4567,14 @@
           <a:effectLst/>
           <a:extLst>
             <a:ext uri="{909E8E84-426E-40dd-AFC4-6F175D3DCCD1}">
-              <a14:hiddenFill xmlns="" xmlns:a14="http://schemas.microsoft.com/office/drawing/2010/main">
+              <a14:hiddenFill xmlns:a14="http://schemas.microsoft.com/office/drawing/2010/main" xmlns="">
                 <a:solidFill>
                   <a:schemeClr val="accent1"/>
                 </a:solidFill>
               </a14:hiddenFill>
             </a:ext>
             <a:ext uri="{91240B29-F687-4f45-9708-019B960494DF}">
-              <a14:hiddenLine xmlns="" xmlns:a14="http://schemas.microsoft.com/office/drawing/2010/main" w="9525">
+              <a14:hiddenLine xmlns:a14="http://schemas.microsoft.com/office/drawing/2010/main" xmlns="" w="9525">
                 <a:solidFill>
                   <a:schemeClr val="tx1"/>
                 </a:solidFill>
@@ -4582,7 +4584,7 @@
               </a14:hiddenLine>
             </a:ext>
             <a:ext uri="{AF507438-7753-43e0-B8FC-AC1667EBCBE1}">
-              <a14:hiddenEffects xmlns="" xmlns:a14="http://schemas.microsoft.com/office/drawing/2010/main">
+              <a14:hiddenEffects xmlns:a14="http://schemas.microsoft.com/office/drawing/2010/main" xmlns="">
                 <a:effectLst>
                   <a:outerShdw blurRad="63500" dist="38099" dir="2700000" algn="ctr" rotWithShape="0">
                     <a:schemeClr val="bg2">
@@ -4593,7 +4595,7 @@
               </a14:hiddenEffects>
             </a:ext>
             <a:ext uri="{FAA26D3D-D897-4be2-8F04-BA451C77F1D7}">
-              <ma14:placeholderFlag xmlns="" xmlns:ma14="http://schemas.microsoft.com/office/mac/drawingml/2011/main" val="1"/>
+              <ma14:placeholderFlag xmlns:ma14="http://schemas.microsoft.com/office/mac/drawingml/2011/main" xmlns="" val="1"/>
             </a:ext>
           </a:extLst>
         </p:spPr>
@@ -4652,12 +4654,12 @@
           <a:effectLst/>
           <a:extLst>
             <a:ext uri="{909E8E84-426E-40dd-AFC4-6F175D3DCCD1}">
-              <a14:hiddenFill xmlns="" xmlns:a14="http://schemas.microsoft.com/office/drawing/2010/main">
+              <a14:hiddenFill xmlns:a14="http://schemas.microsoft.com/office/drawing/2010/main" xmlns="">
                 <a:noFill/>
               </a14:hiddenFill>
             </a:ext>
             <a:ext uri="{AF507438-7753-43e0-B8FC-AC1667EBCBE1}">
-              <a14:hiddenEffects xmlns="" xmlns:a14="http://schemas.microsoft.com/office/drawing/2010/main">
+              <a14:hiddenEffects xmlns:a14="http://schemas.microsoft.com/office/drawing/2010/main" xmlns="">
                 <a:effectLst>
                   <a:outerShdw blurRad="63500" dist="38099" dir="2700000" algn="ctr" rotWithShape="0">
                     <a:schemeClr val="bg2">
@@ -5276,6 +5278,175 @@
 </p:sld>
 </file>
 
+<file path=ppt/slides/slide10.xml><?xml version="1.0" encoding="utf-8"?>
+<p:sld xmlns:a="http://schemas.openxmlformats.org/drawingml/2006/main" xmlns:r="http://schemas.openxmlformats.org/officeDocument/2006/relationships" xmlns:p="http://schemas.openxmlformats.org/presentationml/2006/main">
+  <p:cSld>
+    <p:spTree>
+      <p:nvGrpSpPr>
+        <p:cNvPr id="1" name=""/>
+        <p:cNvGrpSpPr/>
+        <p:nvPr/>
+      </p:nvGrpSpPr>
+      <p:grpSpPr>
+        <a:xfrm>
+          <a:off x="0" y="0"/>
+          <a:ext cx="0" cy="0"/>
+          <a:chOff x="0" y="0"/>
+          <a:chExt cx="0" cy="0"/>
+        </a:xfrm>
+      </p:grpSpPr>
+      <p:sp>
+        <p:nvSpPr>
+          <p:cNvPr id="2" name="Title 1">
+            <a:extLst>
+              <a:ext uri="{FF2B5EF4-FFF2-40B4-BE49-F238E27FC236}">
+                <a16:creationId xmlns:a16="http://schemas.microsoft.com/office/drawing/2014/main" id="{5E5AD1B0-D878-3B42-BCD5-8912C1130733}"/>
+              </a:ext>
+            </a:extLst>
+          </p:cNvPr>
+          <p:cNvSpPr>
+            <a:spLocks noGrp="1"/>
+          </p:cNvSpPr>
+          <p:nvPr>
+            <p:ph type="title"/>
+          </p:nvPr>
+        </p:nvSpPr>
+        <p:spPr/>
+        <p:txBody>
+          <a:bodyPr/>
+          <a:lstStyle/>
+          <a:p>
+            <a:r>
+              <a:rPr lang="en-US" dirty="0"/>
+              <a:t>Asteroid</a:t>
+            </a:r>
+          </a:p>
+        </p:txBody>
+      </p:sp>
+      <p:sp>
+        <p:nvSpPr>
+          <p:cNvPr id="3" name="Content Placeholder 2">
+            <a:extLst>
+              <a:ext uri="{FF2B5EF4-FFF2-40B4-BE49-F238E27FC236}">
+                <a16:creationId xmlns:a16="http://schemas.microsoft.com/office/drawing/2014/main" id="{D06D3B85-A5C2-5C44-A470-54FE4FDFF3E9}"/>
+              </a:ext>
+            </a:extLst>
+          </p:cNvPr>
+          <p:cNvSpPr>
+            <a:spLocks noGrp="1"/>
+          </p:cNvSpPr>
+          <p:nvPr>
+            <p:ph idx="1"/>
+          </p:nvPr>
+        </p:nvSpPr>
+        <p:spPr>
+          <a:xfrm>
+            <a:off x="1524000" y="1905000"/>
+            <a:ext cx="7010400" cy="990600"/>
+          </a:xfrm>
+        </p:spPr>
+        <p:txBody>
+          <a:bodyPr/>
+          <a:lstStyle/>
+          <a:p>
+            <a:r>
+              <a:rPr lang="en-US" dirty="0">
+                <a:hlinkClick r:id="rId2"/>
+              </a:rPr>
+              <a:t>asteroid-lang.org/</a:t>
+            </a:r>
+            <a:endParaRPr lang="en-US" dirty="0"/>
+          </a:p>
+        </p:txBody>
+      </p:sp>
+      <p:pic>
+        <p:nvPicPr>
+          <p:cNvPr id="4" name="Picture 3">
+            <a:extLst>
+              <a:ext uri="{FF2B5EF4-FFF2-40B4-BE49-F238E27FC236}">
+                <a16:creationId xmlns:a16="http://schemas.microsoft.com/office/drawing/2014/main" id="{D30787F9-8C8E-934E-8077-65682B386ED3}"/>
+              </a:ext>
+            </a:extLst>
+          </p:cNvPr>
+          <p:cNvPicPr>
+            <a:picLocks noChangeAspect="1"/>
+          </p:cNvPicPr>
+          <p:nvPr/>
+        </p:nvPicPr>
+        <p:blipFill>
+          <a:blip r:embed="rId3"/>
+          <a:stretch>
+            <a:fillRect/>
+          </a:stretch>
+        </p:blipFill>
+        <p:spPr>
+          <a:xfrm>
+            <a:off x="2616200" y="3810000"/>
+            <a:ext cx="3911600" cy="774700"/>
+          </a:xfrm>
+          <a:prstGeom prst="rect">
+            <a:avLst/>
+          </a:prstGeom>
+          <a:ln>
+            <a:solidFill>
+              <a:schemeClr val="tx2"/>
+            </a:solidFill>
+          </a:ln>
+        </p:spPr>
+      </p:pic>
+      <p:sp>
+        <p:nvSpPr>
+          <p:cNvPr id="5" name="TextBox 4">
+            <a:extLst>
+              <a:ext uri="{FF2B5EF4-FFF2-40B4-BE49-F238E27FC236}">
+                <a16:creationId xmlns:a16="http://schemas.microsoft.com/office/drawing/2014/main" id="{D0049171-B314-4040-92FA-850FC33D5E09}"/>
+              </a:ext>
+            </a:extLst>
+          </p:cNvPr>
+          <p:cNvSpPr txBox="1"/>
+          <p:nvPr/>
+        </p:nvSpPr>
+        <p:spPr>
+          <a:xfrm>
+            <a:off x="4282068" y="5107259"/>
+            <a:ext cx="1338828" cy="307777"/>
+          </a:xfrm>
+          <a:prstGeom prst="rect">
+            <a:avLst/>
+          </a:prstGeom>
+          <a:noFill/>
+        </p:spPr>
+        <p:txBody>
+          <a:bodyPr wrap="none" rtlCol="0">
+            <a:spAutoFit/>
+          </a:bodyPr>
+          <a:lstStyle/>
+          <a:p>
+            <a:r>
+              <a:rPr lang="en-US" sz="1400" dirty="0"/>
+              <a:t>ln001/</a:t>
+            </a:r>
+            <a:r>
+              <a:rPr lang="en-US" sz="1400" dirty="0" err="1"/>
+              <a:t>hello.ast</a:t>
+            </a:r>
+            <a:endParaRPr lang="en-US" sz="1400" dirty="0"/>
+          </a:p>
+        </p:txBody>
+      </p:sp>
+    </p:spTree>
+    <p:extLst>
+      <p:ext uri="{BB962C8B-B14F-4D97-AF65-F5344CB8AC3E}">
+        <p14:creationId xmlns:p14="http://schemas.microsoft.com/office/powerpoint/2010/main" val="353863383"/>
+      </p:ext>
+    </p:extLst>
+  </p:cSld>
+  <p:clrMapOvr>
+    <a:masterClrMapping/>
+  </p:clrMapOvr>
+</p:sld>
+</file>
+
 <file path=ppt/slides/slide2.xml><?xml version="1.0" encoding="utf-8"?>
 <p:sld xmlns:a="http://schemas.openxmlformats.org/drawingml/2006/main" xmlns:r="http://schemas.openxmlformats.org/officeDocument/2006/relationships" xmlns:p="http://schemas.openxmlformats.org/presentationml/2006/main">
   <p:cSld>
@@ -6083,7 +6254,7 @@
           <p:cNvPr id="2" name="Title 1">
             <a:extLst>
               <a:ext uri="{FF2B5EF4-FFF2-40B4-BE49-F238E27FC236}">
-                <a16:creationId xmlns:a16="http://schemas.microsoft.com/office/drawing/2014/main" id="{D34BFD83-964F-AA49-A9FF-DB6C0B61DF73}"/>
+                <a16:creationId xmlns:a16="http://schemas.microsoft.com/office/drawing/2014/main" id="{758484E1-5E4F-0F4D-9B0A-01C92FBE86CD}"/>
               </a:ext>
             </a:extLst>
           </p:cNvPr>
@@ -6101,7 +6272,7 @@
           <a:p>
             <a:r>
               <a:rPr lang="en-US" dirty="0"/>
-              <a:t>Our Languages</a:t>
+              <a:t>Python</a:t>
             </a:r>
           </a:p>
         </p:txBody>
@@ -6111,7 +6282,7 @@
           <p:cNvPr id="3" name="Content Placeholder 2">
             <a:extLst>
               <a:ext uri="{FF2B5EF4-FFF2-40B4-BE49-F238E27FC236}">
-                <a16:creationId xmlns:a16="http://schemas.microsoft.com/office/drawing/2014/main" id="{DCD74380-DF73-A94D-B47D-E9C6D95A80C4}"/>
+                <a16:creationId xmlns:a16="http://schemas.microsoft.com/office/drawing/2014/main" id="{5315CF56-98AC-2246-A0C4-B9E7BD0E905C}"/>
               </a:ext>
             </a:extLst>
           </p:cNvPr>
@@ -6122,67 +6293,274 @@
             <p:ph idx="1"/>
           </p:nvPr>
         </p:nvSpPr>
-        <p:spPr/>
+        <p:spPr>
+          <a:xfrm>
+            <a:off x="1524000" y="1905000"/>
+            <a:ext cx="7010400" cy="990600"/>
+          </a:xfrm>
+        </p:spPr>
         <p:txBody>
           <a:bodyPr/>
           <a:lstStyle/>
           <a:p>
-            <a:r>
-              <a:rPr lang="en-US" dirty="0"/>
-              <a:t>Python (</a:t>
-            </a:r>
             <a:r>
               <a:rPr lang="en-US" dirty="0">
                 <a:hlinkClick r:id="rId2"/>
               </a:rPr>
               <a:t>www.python.org/</a:t>
             </a:r>
-            <a:r>
-              <a:rPr lang="en-US" dirty="0"/>
-              <a:t>)</a:t>
-            </a:r>
-          </a:p>
-          <a:p>
-            <a:r>
-              <a:rPr lang="en-US" dirty="0"/>
-              <a:t>Rust (</a:t>
-            </a:r>
-            <a:r>
-              <a:rPr lang="en-US" dirty="0">
-                <a:hlinkClick r:id="rId3"/>
-              </a:rPr>
-              <a:t>www.rust-lang.org/</a:t>
-            </a:r>
-            <a:r>
-              <a:rPr lang="en-US" dirty="0"/>
-              <a:t>)</a:t>
-            </a:r>
-          </a:p>
-          <a:p>
-            <a:r>
-              <a:rPr lang="en-US"/>
-              <a:t>Asteroid (</a:t>
-            </a:r>
-            <a:r>
-              <a:rPr lang="en-US">
-                <a:hlinkClick r:id="rId4"/>
-              </a:rPr>
-              <a:t>asteroid-</a:t>
-            </a:r>
-            <a:r>
-              <a:rPr lang="en-US" dirty="0">
-                <a:hlinkClick r:id="rId4"/>
-              </a:rPr>
-              <a:t>lang.org/</a:t>
-            </a:r>
             <a:endParaRPr lang="en-US" dirty="0"/>
+          </a:p>
+        </p:txBody>
+      </p:sp>
+      <p:pic>
+        <p:nvPicPr>
+          <p:cNvPr id="4" name="Picture 3">
+            <a:extLst>
+              <a:ext uri="{FF2B5EF4-FFF2-40B4-BE49-F238E27FC236}">
+                <a16:creationId xmlns:a16="http://schemas.microsoft.com/office/drawing/2014/main" id="{EB228313-AED1-7F42-9B5E-7D79928DAC80}"/>
+              </a:ext>
+            </a:extLst>
+          </p:cNvPr>
+          <p:cNvPicPr>
+            <a:picLocks noChangeAspect="1"/>
+          </p:cNvPicPr>
+          <p:nvPr/>
+        </p:nvPicPr>
+        <p:blipFill>
+          <a:blip r:embed="rId3"/>
+          <a:stretch>
+            <a:fillRect/>
+          </a:stretch>
+        </p:blipFill>
+        <p:spPr>
+          <a:xfrm>
+            <a:off x="2819400" y="3886200"/>
+            <a:ext cx="3771900" cy="520700"/>
+          </a:xfrm>
+          <a:prstGeom prst="rect">
+            <a:avLst/>
+          </a:prstGeom>
+          <a:ln>
+            <a:solidFill>
+              <a:schemeClr val="tx2"/>
+            </a:solidFill>
+          </a:ln>
+        </p:spPr>
+      </p:pic>
+      <p:sp>
+        <p:nvSpPr>
+          <p:cNvPr id="5" name="TextBox 4">
+            <a:extLst>
+              <a:ext uri="{FF2B5EF4-FFF2-40B4-BE49-F238E27FC236}">
+                <a16:creationId xmlns:a16="http://schemas.microsoft.com/office/drawing/2014/main" id="{F2E0AC34-78EC-104B-A8F8-48014C9EDEA6}"/>
+              </a:ext>
+            </a:extLst>
+          </p:cNvPr>
+          <p:cNvSpPr txBox="1"/>
+          <p:nvPr/>
+        </p:nvSpPr>
+        <p:spPr>
+          <a:xfrm>
+            <a:off x="4282068" y="5107259"/>
+            <a:ext cx="1289135" cy="307777"/>
+          </a:xfrm>
+          <a:prstGeom prst="rect">
+            <a:avLst/>
+          </a:prstGeom>
+          <a:noFill/>
+        </p:spPr>
+        <p:txBody>
+          <a:bodyPr wrap="none" rtlCol="0">
+            <a:spAutoFit/>
+          </a:bodyPr>
+          <a:lstStyle/>
+          <a:p>
+            <a:r>
+              <a:rPr lang="en-US" sz="1400" dirty="0"/>
+              <a:t>ln001/</a:t>
+            </a:r>
+            <a:r>
+              <a:rPr lang="en-US" sz="1400" dirty="0" err="1"/>
+              <a:t>hello.py</a:t>
+            </a:r>
+            <a:endParaRPr lang="en-US" sz="1400" dirty="0"/>
           </a:p>
         </p:txBody>
       </p:sp>
     </p:spTree>
     <p:extLst>
       <p:ext uri="{BB962C8B-B14F-4D97-AF65-F5344CB8AC3E}">
-        <p14:creationId xmlns:p14="http://schemas.microsoft.com/office/powerpoint/2010/main" val="3500093585"/>
+        <p14:creationId xmlns:p14="http://schemas.microsoft.com/office/powerpoint/2010/main" val="643534326"/>
+      </p:ext>
+    </p:extLst>
+  </p:cSld>
+  <p:clrMapOvr>
+    <a:masterClrMapping/>
+  </p:clrMapOvr>
+</p:sld>
+</file>
+
+<file path=ppt/slides/slide9.xml><?xml version="1.0" encoding="utf-8"?>
+<p:sld xmlns:a="http://schemas.openxmlformats.org/drawingml/2006/main" xmlns:r="http://schemas.openxmlformats.org/officeDocument/2006/relationships" xmlns:p="http://schemas.openxmlformats.org/presentationml/2006/main">
+  <p:cSld>
+    <p:spTree>
+      <p:nvGrpSpPr>
+        <p:cNvPr id="1" name=""/>
+        <p:cNvGrpSpPr/>
+        <p:nvPr/>
+      </p:nvGrpSpPr>
+      <p:grpSpPr>
+        <a:xfrm>
+          <a:off x="0" y="0"/>
+          <a:ext cx="0" cy="0"/>
+          <a:chOff x="0" y="0"/>
+          <a:chExt cx="0" cy="0"/>
+        </a:xfrm>
+      </p:grpSpPr>
+      <p:sp>
+        <p:nvSpPr>
+          <p:cNvPr id="2" name="Title 1">
+            <a:extLst>
+              <a:ext uri="{FF2B5EF4-FFF2-40B4-BE49-F238E27FC236}">
+                <a16:creationId xmlns:a16="http://schemas.microsoft.com/office/drawing/2014/main" id="{3E35EACD-87F9-664C-9832-4C2B7B928FDB}"/>
+              </a:ext>
+            </a:extLst>
+          </p:cNvPr>
+          <p:cNvSpPr>
+            <a:spLocks noGrp="1"/>
+          </p:cNvSpPr>
+          <p:nvPr>
+            <p:ph type="title"/>
+          </p:nvPr>
+        </p:nvSpPr>
+        <p:spPr/>
+        <p:txBody>
+          <a:bodyPr/>
+          <a:lstStyle/>
+          <a:p>
+            <a:r>
+              <a:rPr lang="en-US" dirty="0"/>
+              <a:t>Rust</a:t>
+            </a:r>
+          </a:p>
+        </p:txBody>
+      </p:sp>
+      <p:sp>
+        <p:nvSpPr>
+          <p:cNvPr id="3" name="Content Placeholder 2">
+            <a:extLst>
+              <a:ext uri="{FF2B5EF4-FFF2-40B4-BE49-F238E27FC236}">
+                <a16:creationId xmlns:a16="http://schemas.microsoft.com/office/drawing/2014/main" id="{5A1351A5-4018-3745-ACA4-F46E0696285E}"/>
+              </a:ext>
+            </a:extLst>
+          </p:cNvPr>
+          <p:cNvSpPr>
+            <a:spLocks noGrp="1"/>
+          </p:cNvSpPr>
+          <p:nvPr>
+            <p:ph idx="1"/>
+          </p:nvPr>
+        </p:nvSpPr>
+        <p:spPr>
+          <a:xfrm>
+            <a:off x="1524000" y="1905000"/>
+            <a:ext cx="7010400" cy="1295400"/>
+          </a:xfrm>
+        </p:spPr>
+        <p:txBody>
+          <a:bodyPr/>
+          <a:lstStyle/>
+          <a:p>
+            <a:r>
+              <a:rPr lang="en-US" dirty="0">
+                <a:hlinkClick r:id="rId2"/>
+              </a:rPr>
+              <a:t>www.rust-lang.org/</a:t>
+            </a:r>
+            <a:endParaRPr lang="en-US" dirty="0"/>
+          </a:p>
+        </p:txBody>
+      </p:sp>
+      <p:pic>
+        <p:nvPicPr>
+          <p:cNvPr id="4" name="Picture 3">
+            <a:extLst>
+              <a:ext uri="{FF2B5EF4-FFF2-40B4-BE49-F238E27FC236}">
+                <a16:creationId xmlns:a16="http://schemas.microsoft.com/office/drawing/2014/main" id="{F6AB6B93-FE6D-2144-8BD2-EC3590B0D407}"/>
+              </a:ext>
+            </a:extLst>
+          </p:cNvPr>
+          <p:cNvPicPr>
+            <a:picLocks noChangeAspect="1"/>
+          </p:cNvPicPr>
+          <p:nvPr/>
+        </p:nvPicPr>
+        <p:blipFill>
+          <a:blip r:embed="rId3"/>
+          <a:stretch>
+            <a:fillRect/>
+          </a:stretch>
+        </p:blipFill>
+        <p:spPr>
+          <a:xfrm>
+            <a:off x="2686050" y="3445727"/>
+            <a:ext cx="3771900" cy="939800"/>
+          </a:xfrm>
+          <a:prstGeom prst="rect">
+            <a:avLst/>
+          </a:prstGeom>
+          <a:ln>
+            <a:solidFill>
+              <a:schemeClr val="tx2"/>
+            </a:solidFill>
+          </a:ln>
+        </p:spPr>
+      </p:pic>
+      <p:sp>
+        <p:nvSpPr>
+          <p:cNvPr id="5" name="TextBox 4">
+            <a:extLst>
+              <a:ext uri="{FF2B5EF4-FFF2-40B4-BE49-F238E27FC236}">
+                <a16:creationId xmlns:a16="http://schemas.microsoft.com/office/drawing/2014/main" id="{A9372038-5AA6-AB4C-A5C7-C7C43436569A}"/>
+              </a:ext>
+            </a:extLst>
+          </p:cNvPr>
+          <p:cNvSpPr txBox="1"/>
+          <p:nvPr/>
+        </p:nvSpPr>
+        <p:spPr>
+          <a:xfrm>
+            <a:off x="4282068" y="5107259"/>
+            <a:ext cx="1249060" cy="307777"/>
+          </a:xfrm>
+          <a:prstGeom prst="rect">
+            <a:avLst/>
+          </a:prstGeom>
+          <a:noFill/>
+        </p:spPr>
+        <p:txBody>
+          <a:bodyPr wrap="none" rtlCol="0">
+            <a:spAutoFit/>
+          </a:bodyPr>
+          <a:lstStyle/>
+          <a:p>
+            <a:r>
+              <a:rPr lang="en-US" sz="1400" dirty="0"/>
+              <a:t>ln001/</a:t>
+            </a:r>
+            <a:r>
+              <a:rPr lang="en-US" sz="1400" dirty="0" err="1"/>
+              <a:t>hello.rs</a:t>
+            </a:r>
+            <a:endParaRPr lang="en-US" sz="1400" dirty="0"/>
+          </a:p>
+        </p:txBody>
+      </p:sp>
+    </p:spTree>
+    <p:extLst>
+      <p:ext uri="{BB962C8B-B14F-4D97-AF65-F5344CB8AC3E}">
+        <p14:creationId xmlns:p14="http://schemas.microsoft.com/office/powerpoint/2010/main" val="1818093450"/>
       </p:ext>
     </p:extLst>
   </p:cSld>
@@ -6438,7 +6816,7 @@
         <a:effectLst/>
         <a:extLst>
           <a:ext uri="{AF507438-7753-43e0-B8FC-AC1667EBCBE1}">
-            <a14:hiddenEffects xmlns="" xmlns:a14="http://schemas.microsoft.com/office/drawing/2010/main">
+            <a14:hiddenEffects xmlns:a14="http://schemas.microsoft.com/office/drawing/2010/main" xmlns="">
               <a:effectLst>
                 <a:outerShdw blurRad="63500" dist="38099" dir="2700000" algn="ctr" rotWithShape="0">
                   <a:schemeClr val="bg2">
@@ -6514,7 +6892,7 @@
         <a:effectLst/>
         <a:extLst>
           <a:ext uri="{AF507438-7753-43e0-B8FC-AC1667EBCBE1}">
-            <a14:hiddenEffects xmlns="" xmlns:a14="http://schemas.microsoft.com/office/drawing/2010/main">
+            <a14:hiddenEffects xmlns:a14="http://schemas.microsoft.com/office/drawing/2010/main" xmlns="">
               <a:effectLst>
                 <a:outerShdw blurRad="63500" dist="38099" dir="2700000" algn="ctr" rotWithShape="0">
                   <a:schemeClr val="bg2">

--- a/notes/csc493-ln001.pptx
+++ b/notes/csc493-ln001.pptx
@@ -5,22 +5,23 @@
     <p:sldMasterId id="2147483651" r:id="rId1"/>
   </p:sldMasterIdLst>
   <p:notesMasterIdLst>
-    <p:notesMasterId r:id="rId12"/>
+    <p:notesMasterId r:id="rId13"/>
   </p:notesMasterIdLst>
   <p:handoutMasterIdLst>
-    <p:handoutMasterId r:id="rId13"/>
+    <p:handoutMasterId r:id="rId14"/>
   </p:handoutMasterIdLst>
   <p:sldIdLst>
     <p:sldId id="268" r:id="rId2"/>
-    <p:sldId id="269" r:id="rId3"/>
-    <p:sldId id="270" r:id="rId4"/>
-    <p:sldId id="271" r:id="rId5"/>
-    <p:sldId id="273" r:id="rId6"/>
-    <p:sldId id="272" r:id="rId7"/>
+    <p:sldId id="270" r:id="rId3"/>
+    <p:sldId id="271" r:id="rId4"/>
+    <p:sldId id="273" r:id="rId5"/>
+    <p:sldId id="272" r:id="rId6"/>
+    <p:sldId id="269" r:id="rId7"/>
     <p:sldId id="274" r:id="rId8"/>
     <p:sldId id="276" r:id="rId9"/>
     <p:sldId id="277" r:id="rId10"/>
     <p:sldId id="278" r:id="rId11"/>
+    <p:sldId id="279" r:id="rId12"/>
   </p:sldIdLst>
   <p:sldSz cx="9144000" cy="6858000" type="screen4x3"/>
   <p:notesSz cx="6856413" cy="9083675"/>
@@ -5447,6 +5448,133 @@
 </p:sld>
 </file>
 
+<file path=ppt/slides/slide11.xml><?xml version="1.0" encoding="utf-8"?>
+<p:sld xmlns:a="http://schemas.openxmlformats.org/drawingml/2006/main" xmlns:r="http://schemas.openxmlformats.org/officeDocument/2006/relationships" xmlns:p="http://schemas.openxmlformats.org/presentationml/2006/main">
+  <p:cSld>
+    <p:spTree>
+      <p:nvGrpSpPr>
+        <p:cNvPr id="1" name=""/>
+        <p:cNvGrpSpPr/>
+        <p:nvPr/>
+      </p:nvGrpSpPr>
+      <p:grpSpPr>
+        <a:xfrm>
+          <a:off x="0" y="0"/>
+          <a:ext cx="0" cy="0"/>
+          <a:chOff x="0" y="0"/>
+          <a:chExt cx="0" cy="0"/>
+        </a:xfrm>
+      </p:grpSpPr>
+      <p:sp>
+        <p:nvSpPr>
+          <p:cNvPr id="3" name="Title 2">
+            <a:extLst>
+              <a:ext uri="{FF2B5EF4-FFF2-40B4-BE49-F238E27FC236}">
+                <a16:creationId xmlns:a16="http://schemas.microsoft.com/office/drawing/2014/main" id="{9D7C697A-6DA3-A44E-B637-24C616E3CC5F}"/>
+              </a:ext>
+            </a:extLst>
+          </p:cNvPr>
+          <p:cNvSpPr>
+            <a:spLocks noGrp="1"/>
+          </p:cNvSpPr>
+          <p:nvPr>
+            <p:ph type="title"/>
+          </p:nvPr>
+        </p:nvSpPr>
+        <p:spPr/>
+        <p:txBody>
+          <a:bodyPr/>
+          <a:lstStyle/>
+          <a:p>
+            <a:r>
+              <a:rPr lang="en-US" dirty="0"/>
+              <a:t>Reading</a:t>
+            </a:r>
+          </a:p>
+        </p:txBody>
+      </p:sp>
+      <p:sp>
+        <p:nvSpPr>
+          <p:cNvPr id="4" name="Content Placeholder 3">
+            <a:extLst>
+              <a:ext uri="{FF2B5EF4-FFF2-40B4-BE49-F238E27FC236}">
+                <a16:creationId xmlns:a16="http://schemas.microsoft.com/office/drawing/2014/main" id="{169AAE0B-02FF-DA4D-BB90-8E551E1B73AC}"/>
+              </a:ext>
+            </a:extLst>
+          </p:cNvPr>
+          <p:cNvSpPr>
+            <a:spLocks noGrp="1"/>
+          </p:cNvSpPr>
+          <p:nvPr>
+            <p:ph idx="1"/>
+          </p:nvPr>
+        </p:nvSpPr>
+        <p:spPr>
+          <a:xfrm>
+            <a:off x="609600" y="1905000"/>
+            <a:ext cx="8534400" cy="4114800"/>
+          </a:xfrm>
+        </p:spPr>
+        <p:txBody>
+          <a:bodyPr/>
+          <a:lstStyle/>
+          <a:p>
+            <a:r>
+              <a:rPr lang="en-US" sz="2200" dirty="0"/>
+              <a:t>Installing and Running Asteroid</a:t>
+            </a:r>
+          </a:p>
+          <a:p>
+            <a:pPr lvl="1"/>
+            <a:r>
+              <a:rPr lang="en-US" sz="1800" dirty="0">
+                <a:hlinkClick r:id="rId2"/>
+              </a:rPr>
+              <a:t>asteroid-lang.readthedocs.io/en/latest/Installing%20and%20Running</a:t>
+            </a:r>
+            <a:r>
+              <a:rPr lang="en-US" sz="1800">
+                <a:hlinkClick r:id="rId2"/>
+              </a:rPr>
+              <a:t>.html</a:t>
+            </a:r>
+            <a:endParaRPr lang="en-US" sz="2000" dirty="0"/>
+          </a:p>
+          <a:p>
+            <a:r>
+              <a:rPr lang="en-US" sz="2200" dirty="0"/>
+              <a:t>Intro</a:t>
+            </a:r>
+          </a:p>
+          <a:p>
+            <a:pPr lvl="1"/>
+            <a:r>
+              <a:rPr lang="en-US" sz="1800" dirty="0">
+                <a:hlinkClick r:id="rId3"/>
+              </a:rPr>
+              <a:t>asteroid-lang.readthedocs.io/en/latest/User Guide.html#introduction</a:t>
+            </a:r>
+            <a:endParaRPr lang="en-US" sz="1800" dirty="0"/>
+          </a:p>
+          <a:p>
+            <a:pPr lvl="1"/>
+            <a:endParaRPr lang="en-US" sz="1800" dirty="0"/>
+          </a:p>
+        </p:txBody>
+      </p:sp>
+    </p:spTree>
+    <p:extLst>
+      <p:ext uri="{BB962C8B-B14F-4D97-AF65-F5344CB8AC3E}">
+        <p14:creationId xmlns:p14="http://schemas.microsoft.com/office/powerpoint/2010/main" val="3037335692"/>
+      </p:ext>
+    </p:extLst>
+  </p:cSld>
+  <p:clrMapOvr>
+    <a:masterClrMapping/>
+  </p:clrMapOvr>
+</p:sld>
+</file>
+
 <file path=ppt/slides/slide2.xml><?xml version="1.0" encoding="utf-8"?>
 <p:sld xmlns:a="http://schemas.openxmlformats.org/drawingml/2006/main" xmlns:r="http://schemas.openxmlformats.org/officeDocument/2006/relationships" xmlns:p="http://schemas.openxmlformats.org/presentationml/2006/main">
   <p:cSld>
@@ -5469,7 +5597,7 @@
           <p:cNvPr id="2" name="Title 1">
             <a:extLst>
               <a:ext uri="{FF2B5EF4-FFF2-40B4-BE49-F238E27FC236}">
-                <a16:creationId xmlns:a16="http://schemas.microsoft.com/office/drawing/2014/main" id="{7A913210-4B58-324E-85C2-F2B6BBECE105}"/>
+                <a16:creationId xmlns:a16="http://schemas.microsoft.com/office/drawing/2014/main" id="{F16C3ED7-7139-DE4B-AA2C-3955A0669AC9}"/>
               </a:ext>
             </a:extLst>
           </p:cNvPr>
@@ -5487,7 +5615,7 @@
           <a:p>
             <a:r>
               <a:rPr lang="en-US" dirty="0"/>
-              <a:t>Why Study?</a:t>
+              <a:t>What is a Paradigm?</a:t>
             </a:r>
           </a:p>
         </p:txBody>
@@ -5497,7 +5625,7 @@
           <p:cNvPr id="3" name="Content Placeholder 2">
             <a:extLst>
               <a:ext uri="{FF2B5EF4-FFF2-40B4-BE49-F238E27FC236}">
-                <a16:creationId xmlns:a16="http://schemas.microsoft.com/office/drawing/2014/main" id="{7F8ECED0-B2B7-2849-B136-FF82EFFD8205}"/>
+                <a16:creationId xmlns:a16="http://schemas.microsoft.com/office/drawing/2014/main" id="{07DC6B3E-5B46-F449-803D-BA83564218DD}"/>
               </a:ext>
             </a:extLst>
           </p:cNvPr>
@@ -5515,21 +5643,57 @@
           <a:p>
             <a:r>
               <a:rPr lang="en-US" dirty="0"/>
-              <a:t>Different programming paradigms provide different tools/approaches to tackle programming challenges</a:t>
-            </a:r>
-          </a:p>
-          <a:p>
-            <a:r>
-              <a:rPr lang="en-US" dirty="0"/>
-              <a:t>Picking the right paradigm for the job at hand is an essential skill of every software developer</a:t>
-            </a:r>
+              <a:t>A paradigm is a distinct set of concepts and practices that define a discipline.</a:t>
+            </a:r>
+          </a:p>
+        </p:txBody>
+      </p:sp>
+      <p:sp>
+        <p:nvSpPr>
+          <p:cNvPr id="4" name="TextBox 3">
+            <a:extLst>
+              <a:ext uri="{FF2B5EF4-FFF2-40B4-BE49-F238E27FC236}">
+                <a16:creationId xmlns:a16="http://schemas.microsoft.com/office/drawing/2014/main" id="{B5C9C2AB-E1B7-D24D-B0FF-3C96625DF3F6}"/>
+              </a:ext>
+            </a:extLst>
+          </p:cNvPr>
+          <p:cNvSpPr txBox="1"/>
+          <p:nvPr/>
+        </p:nvSpPr>
+        <p:spPr>
+          <a:xfrm>
+            <a:off x="2362200" y="5712023"/>
+            <a:ext cx="3847528" cy="307777"/>
+          </a:xfrm>
+          <a:prstGeom prst="rect">
+            <a:avLst/>
+          </a:prstGeom>
+          <a:noFill/>
+        </p:spPr>
+        <p:txBody>
+          <a:bodyPr wrap="none" rtlCol="0">
+            <a:spAutoFit/>
+          </a:bodyPr>
+          <a:lstStyle/>
+          <a:p>
+            <a:r>
+              <a:rPr lang="en-US" sz="1400" dirty="0"/>
+              <a:t>Source: </a:t>
+            </a:r>
+            <a:r>
+              <a:rPr lang="en-US" sz="1400" dirty="0">
+                <a:hlinkClick r:id="rId2"/>
+              </a:rPr>
+              <a:t>https://en.wikipedia.org/wiki/Paradigm</a:t>
+            </a:r>
+            <a:endParaRPr lang="en-US" sz="1400" dirty="0"/>
           </a:p>
         </p:txBody>
       </p:sp>
     </p:spTree>
     <p:extLst>
       <p:ext uri="{BB962C8B-B14F-4D97-AF65-F5344CB8AC3E}">
-        <p14:creationId xmlns:p14="http://schemas.microsoft.com/office/powerpoint/2010/main" val="3602670588"/>
+        <p14:creationId xmlns:p14="http://schemas.microsoft.com/office/powerpoint/2010/main" val="722044111"/>
       </p:ext>
     </p:extLst>
   </p:cSld>
@@ -5561,7 +5725,7 @@
           <p:cNvPr id="2" name="Title 1">
             <a:extLst>
               <a:ext uri="{FF2B5EF4-FFF2-40B4-BE49-F238E27FC236}">
-                <a16:creationId xmlns:a16="http://schemas.microsoft.com/office/drawing/2014/main" id="{F16C3ED7-7139-DE4B-AA2C-3955A0669AC9}"/>
+                <a16:creationId xmlns:a16="http://schemas.microsoft.com/office/drawing/2014/main" id="{3B411D62-3486-B749-BC00-429B08A0CCA1}"/>
               </a:ext>
             </a:extLst>
           </p:cNvPr>
@@ -5579,7 +5743,7 @@
           <a:p>
             <a:r>
               <a:rPr lang="en-US" dirty="0"/>
-              <a:t>What is a Paradigm?</a:t>
+              <a:t>What is a Programming Paradigm?</a:t>
             </a:r>
           </a:p>
         </p:txBody>
@@ -5589,7 +5753,7 @@
           <p:cNvPr id="3" name="Content Placeholder 2">
             <a:extLst>
               <a:ext uri="{FF2B5EF4-FFF2-40B4-BE49-F238E27FC236}">
-                <a16:creationId xmlns:a16="http://schemas.microsoft.com/office/drawing/2014/main" id="{07DC6B3E-5B46-F449-803D-BA83564218DD}"/>
+                <a16:creationId xmlns:a16="http://schemas.microsoft.com/office/drawing/2014/main" id="{249E01DB-E198-DC4B-BEB2-7F5A5591C227}"/>
               </a:ext>
             </a:extLst>
           </p:cNvPr>
@@ -5599,65 +5763,82 @@
           <p:nvPr>
             <p:ph idx="1"/>
           </p:nvPr>
-        </p:nvSpPr>
-        <p:spPr/>
-        <p:txBody>
-          <a:bodyPr/>
-          <a:lstStyle/>
-          <a:p>
-            <a:r>
-              <a:rPr lang="en-US" dirty="0"/>
-              <a:t>A paradigm is a distinct set of concepts and practices that define a discipline.</a:t>
-            </a:r>
-          </a:p>
-        </p:txBody>
-      </p:sp>
-      <p:sp>
-        <p:nvSpPr>
-          <p:cNvPr id="4" name="TextBox 3">
-            <a:extLst>
-              <a:ext uri="{FF2B5EF4-FFF2-40B4-BE49-F238E27FC236}">
-                <a16:creationId xmlns:a16="http://schemas.microsoft.com/office/drawing/2014/main" id="{B5C9C2AB-E1B7-D24D-B0FF-3C96625DF3F6}"/>
-              </a:ext>
-            </a:extLst>
-          </p:cNvPr>
-          <p:cNvSpPr txBox="1"/>
-          <p:nvPr/>
         </p:nvSpPr>
         <p:spPr>
           <a:xfrm>
-            <a:off x="2362200" y="5712023"/>
-            <a:ext cx="3847528" cy="307777"/>
+            <a:off x="685800" y="1905000"/>
+            <a:ext cx="8077200" cy="3657600"/>
           </a:xfrm>
-          <a:prstGeom prst="rect">
-            <a:avLst/>
-          </a:prstGeom>
-          <a:noFill/>
-        </p:spPr>
-        <p:txBody>
-          <a:bodyPr wrap="none" rtlCol="0">
-            <a:spAutoFit/>
+        </p:spPr>
+        <p:txBody>
+          <a:bodyPr>
+            <a:normAutofit fontScale="77500" lnSpcReduction="20000"/>
           </a:bodyPr>
           <a:lstStyle/>
           <a:p>
             <a:r>
-              <a:rPr lang="en-US" sz="1400" dirty="0"/>
-              <a:t>Source: </a:t>
-            </a:r>
-            <a:r>
-              <a:rPr lang="en-US" sz="1400" dirty="0">
-                <a:hlinkClick r:id="rId2"/>
-              </a:rPr>
-              <a:t>https://en.wikipedia.org/wiki/Paradigm</a:t>
-            </a:r>
-            <a:endParaRPr lang="en-US" sz="1400" dirty="0"/>
+              <a:rPr lang="en-US" dirty="0"/>
+              <a:t>A programming paradigm is an approach to programming using a distinct set of concepts and practices. E.g.</a:t>
+            </a:r>
+          </a:p>
+          <a:p>
+            <a:pPr lvl="1"/>
+            <a:r>
+              <a:rPr lang="en-US" b="1" dirty="0"/>
+              <a:t>Imperative programming paradigm </a:t>
+            </a:r>
+            <a:r>
+              <a:rPr lang="en-US" dirty="0"/>
+              <a:t>– explicit statements that change the program state</a:t>
+            </a:r>
+          </a:p>
+          <a:p>
+            <a:pPr lvl="1"/>
+            <a:r>
+              <a:rPr lang="en-US" b="1" dirty="0"/>
+              <a:t>Object-oriented programming paradigm </a:t>
+            </a:r>
+            <a:r>
+              <a:rPr lang="en-US" dirty="0"/>
+              <a:t>– uses data structures consisting of data fields and methods together with their instantiations (objects) to design programs</a:t>
+            </a:r>
+          </a:p>
+          <a:p>
+            <a:pPr lvl="1"/>
+            <a:r>
+              <a:rPr lang="en-US" b="1" dirty="0"/>
+              <a:t>Functional programming paradigm</a:t>
+            </a:r>
+            <a:r>
+              <a:rPr lang="en-US" dirty="0"/>
+              <a:t> – uses evaluation of mathematical functions where everything is considered a value and avoids explicit state manipulation</a:t>
+            </a:r>
+          </a:p>
+          <a:p>
+            <a:pPr lvl="1"/>
+            <a:r>
+              <a:rPr lang="en-US" b="1" dirty="0"/>
+              <a:t>Pattern matching paradigm </a:t>
+            </a:r>
+            <a:r>
+              <a:rPr lang="en-US" dirty="0"/>
+              <a:t>– uses patterns to access or </a:t>
+            </a:r>
+            <a:r>
+              <a:rPr lang="en-US" dirty="0" err="1"/>
+              <a:t>destructure</a:t>
+            </a:r>
+            <a:r>
+              <a:rPr lang="en-US" dirty="0"/>
+              <a:t> data structures.</a:t>
+            </a:r>
           </a:p>
         </p:txBody>
       </p:sp>
     </p:spTree>
     <p:extLst>
       <p:ext uri="{BB962C8B-B14F-4D97-AF65-F5344CB8AC3E}">
-        <p14:creationId xmlns:p14="http://schemas.microsoft.com/office/powerpoint/2010/main" val="722044111"/>
+        <p14:creationId xmlns:p14="http://schemas.microsoft.com/office/powerpoint/2010/main" val="570546783"/>
       </p:ext>
     </p:extLst>
   </p:cSld>
@@ -5689,7 +5870,7 @@
           <p:cNvPr id="2" name="Title 1">
             <a:extLst>
               <a:ext uri="{FF2B5EF4-FFF2-40B4-BE49-F238E27FC236}">
-                <a16:creationId xmlns:a16="http://schemas.microsoft.com/office/drawing/2014/main" id="{3B411D62-3486-B749-BC00-429B08A0CCA1}"/>
+                <a16:creationId xmlns:a16="http://schemas.microsoft.com/office/drawing/2014/main" id="{F80B6199-D4F3-DC4D-AF9C-0DE850F9C65E}"/>
               </a:ext>
             </a:extLst>
           </p:cNvPr>
@@ -5698,92 +5879,193 @@
           </p:cNvSpPr>
           <p:nvPr>
             <p:ph type="title"/>
-          </p:nvPr>
-        </p:nvSpPr>
-        <p:spPr/>
-        <p:txBody>
-          <a:bodyPr/>
-          <a:lstStyle/>
-          <a:p>
-            <a:r>
-              <a:rPr lang="en-US" dirty="0"/>
-              <a:t>What is a Programming Paradigm?</a:t>
-            </a:r>
-          </a:p>
-        </p:txBody>
-      </p:sp>
-      <p:sp>
-        <p:nvSpPr>
-          <p:cNvPr id="3" name="Content Placeholder 2">
-            <a:extLst>
-              <a:ext uri="{FF2B5EF4-FFF2-40B4-BE49-F238E27FC236}">
-                <a16:creationId xmlns:a16="http://schemas.microsoft.com/office/drawing/2014/main" id="{249E01DB-E198-DC4B-BEB2-7F5A5591C227}"/>
-              </a:ext>
-            </a:extLst>
-          </p:cNvPr>
-          <p:cNvSpPr>
-            <a:spLocks noGrp="1"/>
-          </p:cNvSpPr>
-          <p:nvPr>
-            <p:ph idx="1"/>
           </p:nvPr>
         </p:nvSpPr>
         <p:spPr>
           <a:xfrm>
-            <a:off x="685800" y="1905000"/>
-            <a:ext cx="8077200" cy="4495800"/>
+            <a:off x="1524000" y="190500"/>
+            <a:ext cx="7010400" cy="1527175"/>
           </a:xfrm>
         </p:spPr>
         <p:txBody>
-          <a:bodyPr>
-            <a:normAutofit fontScale="85000" lnSpcReduction="20000"/>
+          <a:bodyPr wrap="square" anchor="ctr">
+            <a:normAutofit/>
           </a:bodyPr>
           <a:lstStyle/>
           <a:p>
             <a:r>
               <a:rPr lang="en-US" dirty="0"/>
-              <a:t>A programming paradigm is an approach to programming using a distinct set of concepts and practices. E.g.</a:t>
-            </a:r>
-          </a:p>
-          <a:p>
-            <a:pPr lvl="1"/>
-            <a:r>
-              <a:rPr lang="en-US" b="1" dirty="0"/>
-              <a:t>Imperative programming paradigm </a:t>
-            </a:r>
-            <a:r>
-              <a:rPr lang="en-US" dirty="0"/>
-              <a:t>– explicit statements that change the program state</a:t>
-            </a:r>
-          </a:p>
-          <a:p>
-            <a:pPr lvl="1"/>
-            <a:r>
-              <a:rPr lang="en-US" b="1" dirty="0"/>
-              <a:t>Object-oriented programming paradigm </a:t>
-            </a:r>
-            <a:r>
-              <a:rPr lang="en-US" dirty="0"/>
-              <a:t>– uses data structures consisting of data fields and methods together with their instantiations (objects) to design programs</a:t>
-            </a:r>
-          </a:p>
-          <a:p>
-            <a:pPr lvl="1"/>
-            <a:r>
-              <a:rPr lang="en-US" b="1" dirty="0"/>
-              <a:t>Functional programming paradigm</a:t>
-            </a:r>
-            <a:r>
-              <a:rPr lang="en-US" dirty="0"/>
-              <a:t> – uses evaluation of mathematical functions where everything is considered a value and avoids explicit state manipulation</a:t>
-            </a:r>
+              <a:t>Imperative Programming</a:t>
+            </a:r>
+          </a:p>
+        </p:txBody>
+      </p:sp>
+      <p:sp>
+        <p:nvSpPr>
+          <p:cNvPr id="3" name="Content Placeholder 2">
+            <a:extLst>
+              <a:ext uri="{FF2B5EF4-FFF2-40B4-BE49-F238E27FC236}">
+                <a16:creationId xmlns:a16="http://schemas.microsoft.com/office/drawing/2014/main" id="{76346D16-8047-9543-A0D6-FC5A91CF9798}"/>
+              </a:ext>
+            </a:extLst>
+          </p:cNvPr>
+          <p:cNvSpPr>
+            <a:spLocks noGrp="1"/>
+          </p:cNvSpPr>
+          <p:nvPr>
+            <p:ph sz="half" idx="1"/>
+          </p:nvPr>
+        </p:nvSpPr>
+        <p:spPr>
+          <a:xfrm>
+            <a:off x="1524000" y="1905000"/>
+            <a:ext cx="3429000" cy="4114800"/>
+          </a:xfrm>
+        </p:spPr>
+        <p:txBody>
+          <a:bodyPr wrap="square" anchor="t">
+            <a:normAutofit fontScale="92500" lnSpcReduction="20000"/>
+          </a:bodyPr>
+          <a:lstStyle/>
+          <a:p>
+            <a:pPr>
+              <a:lnSpc>
+                <a:spcPct val="90000"/>
+              </a:lnSpc>
+            </a:pPr>
+            <a:r>
+              <a:rPr lang="en-US" sz="2600" dirty="0"/>
+              <a:t>There is a lot of confusion of terminology around imperative, structured, and procedural programming.</a:t>
+            </a:r>
+          </a:p>
+          <a:p>
+            <a:pPr>
+              <a:lnSpc>
+                <a:spcPct val="90000"/>
+              </a:lnSpc>
+            </a:pPr>
+            <a:r>
+              <a:rPr lang="en-US" sz="2600" dirty="0"/>
+              <a:t>However, these terms form roughly a hierarchy as seen on the right.</a:t>
+            </a:r>
+          </a:p>
+          <a:p>
+            <a:pPr>
+              <a:lnSpc>
+                <a:spcPct val="90000"/>
+              </a:lnSpc>
+            </a:pPr>
+            <a:r>
+              <a:rPr lang="en-US" sz="2600" dirty="0"/>
+              <a:t>When we talk about imperative programming we mean all these things</a:t>
+            </a:r>
+          </a:p>
+        </p:txBody>
+      </p:sp>
+      <p:pic>
+        <p:nvPicPr>
+          <p:cNvPr id="1026" name="Picture 2">
+            <a:extLst>
+              <a:ext uri="{FF2B5EF4-FFF2-40B4-BE49-F238E27FC236}">
+                <a16:creationId xmlns:a16="http://schemas.microsoft.com/office/drawing/2014/main" id="{6CCE3E4B-307C-984D-9ED1-F62ED4241487}"/>
+              </a:ext>
+            </a:extLst>
+          </p:cNvPr>
+          <p:cNvPicPr>
+            <a:picLocks noChangeAspect="1" noChangeArrowheads="1"/>
+          </p:cNvPicPr>
+          <p:nvPr/>
+        </p:nvPicPr>
+        <p:blipFill>
+          <a:blip r:embed="rId2">
+            <a:extLst>
+              <a:ext uri="{28A0092B-C50C-407E-A947-70E740481C1C}">
+                <a14:useLocalDpi xmlns:a14="http://schemas.microsoft.com/office/drawing/2010/main" val="0"/>
+              </a:ext>
+            </a:extLst>
+          </a:blip>
+          <a:stretch>
+            <a:fillRect/>
+          </a:stretch>
+        </p:blipFill>
+        <p:spPr bwMode="auto">
+          <a:xfrm>
+            <a:off x="5105400" y="2247900"/>
+            <a:ext cx="3429000" cy="3429000"/>
+          </a:xfrm>
+          <a:prstGeom prst="rect">
+            <a:avLst/>
+          </a:prstGeom>
+          <a:noFill/>
+          <a:extLst>
+            <a:ext uri="{909E8E84-426E-40DD-AFC4-6F175D3DCCD1}">
+              <a14:hiddenFill xmlns:a14="http://schemas.microsoft.com/office/drawing/2010/main">
+                <a:solidFill>
+                  <a:srgbClr val="FFFFFF"/>
+                </a:solidFill>
+              </a14:hiddenFill>
+            </a:ext>
+          </a:extLst>
+        </p:spPr>
+      </p:pic>
+      <p:sp>
+        <p:nvSpPr>
+          <p:cNvPr id="4" name="TextBox 3">
+            <a:extLst>
+              <a:ext uri="{FF2B5EF4-FFF2-40B4-BE49-F238E27FC236}">
+                <a16:creationId xmlns:a16="http://schemas.microsoft.com/office/drawing/2014/main" id="{A2146E7D-D676-F44F-80EB-9E10ACA01076}"/>
+              </a:ext>
+            </a:extLst>
+          </p:cNvPr>
+          <p:cNvSpPr txBox="1"/>
+          <p:nvPr/>
+        </p:nvSpPr>
+        <p:spPr>
+          <a:xfrm>
+            <a:off x="5105400" y="5688051"/>
+            <a:ext cx="3366627" cy="954107"/>
+          </a:xfrm>
+          <a:prstGeom prst="rect">
+            <a:avLst/>
+          </a:prstGeom>
+          <a:noFill/>
+        </p:spPr>
+        <p:txBody>
+          <a:bodyPr wrap="none" rtlCol="0">
+            <a:spAutoFit/>
+          </a:bodyPr>
+          <a:lstStyle/>
+          <a:p>
+            <a:r>
+              <a:rPr lang="en-US" sz="1400" dirty="0"/>
+              <a:t>Note: there are many exceptions, e.g., </a:t>
+            </a:r>
+          </a:p>
+          <a:p>
+            <a:r>
+              <a:rPr lang="en-US" sz="1400" dirty="0"/>
+              <a:t>you can have procedural programs with </a:t>
+            </a:r>
+          </a:p>
+          <a:p>
+            <a:r>
+              <a:rPr lang="en-US" sz="1400" dirty="0" err="1"/>
+              <a:t>goto</a:t>
+            </a:r>
+            <a:r>
+              <a:rPr lang="en-US" sz="1400" dirty="0"/>
+              <a:t> statements – not structured!</a:t>
+            </a:r>
+          </a:p>
+          <a:p>
+            <a:endParaRPr lang="en-US" sz="1400" dirty="0"/>
           </a:p>
         </p:txBody>
       </p:sp>
     </p:spTree>
     <p:extLst>
       <p:ext uri="{BB962C8B-B14F-4D97-AF65-F5344CB8AC3E}">
-        <p14:creationId xmlns:p14="http://schemas.microsoft.com/office/powerpoint/2010/main" val="570546783"/>
+        <p14:creationId xmlns:p14="http://schemas.microsoft.com/office/powerpoint/2010/main" val="166352359"/>
       </p:ext>
     </p:extLst>
   </p:cSld>
@@ -5815,7 +6097,7 @@
           <p:cNvPr id="2" name="Title 1">
             <a:extLst>
               <a:ext uri="{FF2B5EF4-FFF2-40B4-BE49-F238E27FC236}">
-                <a16:creationId xmlns:a16="http://schemas.microsoft.com/office/drawing/2014/main" id="{F80B6199-D4F3-DC4D-AF9C-0DE850F9C65E}"/>
+                <a16:creationId xmlns:a16="http://schemas.microsoft.com/office/drawing/2014/main" id="{8AB7C213-7E88-DB41-ACB9-CBB98B043260}"/>
               </a:ext>
             </a:extLst>
           </p:cNvPr>
@@ -5825,146 +6107,106 @@
           <p:nvPr>
             <p:ph type="title"/>
           </p:nvPr>
+        </p:nvSpPr>
+        <p:spPr/>
+        <p:txBody>
+          <a:bodyPr/>
+          <a:lstStyle/>
+          <a:p>
+            <a:r>
+              <a:rPr lang="en-US" dirty="0"/>
+              <a:t>What is a Multi-Paradigm Programming Language?</a:t>
+            </a:r>
+          </a:p>
+        </p:txBody>
+      </p:sp>
+      <p:sp>
+        <p:nvSpPr>
+          <p:cNvPr id="3" name="Content Placeholder 2">
+            <a:extLst>
+              <a:ext uri="{FF2B5EF4-FFF2-40B4-BE49-F238E27FC236}">
+                <a16:creationId xmlns:a16="http://schemas.microsoft.com/office/drawing/2014/main" id="{BB467781-C1D4-D946-AA2E-AB678B7E978C}"/>
+              </a:ext>
+            </a:extLst>
+          </p:cNvPr>
+          <p:cNvSpPr>
+            <a:spLocks noGrp="1"/>
+          </p:cNvSpPr>
+          <p:nvPr>
+            <p:ph idx="1"/>
+          </p:nvPr>
+        </p:nvSpPr>
+        <p:spPr/>
+        <p:txBody>
+          <a:bodyPr/>
+          <a:lstStyle/>
+          <a:p>
+            <a:r>
+              <a:rPr lang="en-US" dirty="0"/>
+              <a:t>A multi-paradigm programming language is a programming language supporting more than one programming paradigm, in order to allow the most suitable programming style for a task.</a:t>
+            </a:r>
+          </a:p>
+          <a:p>
+            <a:pPr marL="0" indent="0">
+              <a:buNone/>
+            </a:pPr>
+            <a:r>
+              <a:rPr lang="en-US" dirty="0"/>
+              <a:t> </a:t>
+            </a:r>
+          </a:p>
+          <a:p>
+            <a:endParaRPr lang="en-US" dirty="0"/>
+          </a:p>
+        </p:txBody>
+      </p:sp>
+      <p:sp>
+        <p:nvSpPr>
+          <p:cNvPr id="4" name="TextBox 3">
+            <a:extLst>
+              <a:ext uri="{FF2B5EF4-FFF2-40B4-BE49-F238E27FC236}">
+                <a16:creationId xmlns:a16="http://schemas.microsoft.com/office/drawing/2014/main" id="{953A1FBB-AEE1-5444-87AC-D8616AAFD31E}"/>
+              </a:ext>
+            </a:extLst>
+          </p:cNvPr>
+          <p:cNvSpPr txBox="1"/>
+          <p:nvPr/>
         </p:nvSpPr>
         <p:spPr>
           <a:xfrm>
-            <a:off x="1524000" y="190500"/>
-            <a:ext cx="7010400" cy="1527175"/>
-          </a:xfrm>
-        </p:spPr>
-        <p:txBody>
-          <a:bodyPr wrap="square" anchor="ctr">
-            <a:normAutofit/>
-          </a:bodyPr>
-          <a:lstStyle/>
-          <a:p>
-            <a:r>
-              <a:rPr lang="en-US" dirty="0"/>
-              <a:t>Imperative Programming</a:t>
-            </a:r>
-          </a:p>
-        </p:txBody>
-      </p:sp>
-      <p:sp>
-        <p:nvSpPr>
-          <p:cNvPr id="3" name="Content Placeholder 2">
-            <a:extLst>
-              <a:ext uri="{FF2B5EF4-FFF2-40B4-BE49-F238E27FC236}">
-                <a16:creationId xmlns:a16="http://schemas.microsoft.com/office/drawing/2014/main" id="{76346D16-8047-9543-A0D6-FC5A91CF9798}"/>
-              </a:ext>
-            </a:extLst>
-          </p:cNvPr>
-          <p:cNvSpPr>
-            <a:spLocks noGrp="1"/>
-          </p:cNvSpPr>
-          <p:nvPr>
-            <p:ph sz="half" idx="1"/>
-          </p:nvPr>
-        </p:nvSpPr>
-        <p:spPr>
-          <a:xfrm>
-            <a:off x="1524000" y="1905000"/>
-            <a:ext cx="3429000" cy="4114800"/>
-          </a:xfrm>
-        </p:spPr>
-        <p:txBody>
-          <a:bodyPr wrap="square" anchor="t">
-            <a:normAutofit fontScale="85000" lnSpcReduction="20000"/>
-          </a:bodyPr>
-          <a:lstStyle/>
-          <a:p>
-            <a:pPr>
-              <a:lnSpc>
-                <a:spcPct val="90000"/>
-              </a:lnSpc>
-            </a:pPr>
-            <a:r>
-              <a:rPr lang="en-US" sz="2600" dirty="0"/>
-              <a:t>There is a lot of confusion of terminology around imperative, structured, and procedural programming.</a:t>
-            </a:r>
-          </a:p>
-          <a:p>
-            <a:pPr>
-              <a:lnSpc>
-                <a:spcPct val="90000"/>
-              </a:lnSpc>
-            </a:pPr>
-            <a:r>
-              <a:rPr lang="en-US" sz="2600" dirty="0"/>
-              <a:t>However, these terms form roughly a hierarchy as seen on the right.</a:t>
-            </a:r>
-          </a:p>
-          <a:p>
-            <a:pPr>
-              <a:lnSpc>
-                <a:spcPct val="90000"/>
-              </a:lnSpc>
-            </a:pPr>
-            <a:r>
-              <a:rPr lang="en-US" sz="2600" dirty="0"/>
-              <a:t>Note: there are many exceptions, e.g., you can have procedural programs with </a:t>
-            </a:r>
-            <a:r>
-              <a:rPr lang="en-US" sz="2600" dirty="0" err="1"/>
-              <a:t>goto</a:t>
-            </a:r>
-            <a:r>
-              <a:rPr lang="en-US" sz="2600" dirty="0"/>
-              <a:t> statements – not structured!</a:t>
-            </a:r>
-          </a:p>
-        </p:txBody>
-      </p:sp>
-      <p:pic>
-        <p:nvPicPr>
-          <p:cNvPr id="1026" name="Picture 2">
-            <a:extLst>
-              <a:ext uri="{FF2B5EF4-FFF2-40B4-BE49-F238E27FC236}">
-                <a16:creationId xmlns:a16="http://schemas.microsoft.com/office/drawing/2014/main" id="{6CCE3E4B-307C-984D-9ED1-F62ED4241487}"/>
-              </a:ext>
-            </a:extLst>
-          </p:cNvPr>
-          <p:cNvPicPr>
-            <a:picLocks noChangeAspect="1" noChangeArrowheads="1"/>
-          </p:cNvPicPr>
-          <p:nvPr/>
-        </p:nvPicPr>
-        <p:blipFill>
-          <a:blip r:embed="rId2">
-            <a:extLst>
-              <a:ext uri="{28A0092B-C50C-407E-A947-70E740481C1C}">
-                <a14:useLocalDpi xmlns:a14="http://schemas.microsoft.com/office/drawing/2010/main" val="0"/>
-              </a:ext>
-            </a:extLst>
-          </a:blip>
-          <a:stretch>
-            <a:fillRect/>
-          </a:stretch>
-        </p:blipFill>
-        <p:spPr bwMode="auto">
-          <a:xfrm>
-            <a:off x="5105400" y="2247900"/>
-            <a:ext cx="3429000" cy="3429000"/>
+            <a:off x="2286000" y="6353861"/>
+            <a:ext cx="4310283" cy="307777"/>
           </a:xfrm>
           <a:prstGeom prst="rect">
             <a:avLst/>
           </a:prstGeom>
           <a:noFill/>
-          <a:extLst>
-            <a:ext uri="{909E8E84-426E-40DD-AFC4-6F175D3DCCD1}">
-              <a14:hiddenFill xmlns:a14="http://schemas.microsoft.com/office/drawing/2010/main">
-                <a:solidFill>
-                  <a:srgbClr val="FFFFFF"/>
-                </a:solidFill>
-              </a14:hiddenFill>
-            </a:ext>
-          </a:extLst>
-        </p:spPr>
-      </p:pic>
+        </p:spPr>
+        <p:txBody>
+          <a:bodyPr wrap="none" rtlCol="0">
+            <a:spAutoFit/>
+          </a:bodyPr>
+          <a:lstStyle/>
+          <a:p>
+            <a:r>
+              <a:rPr lang="en-US" sz="1400" dirty="0"/>
+              <a:t>Source: https://</a:t>
+            </a:r>
+            <a:r>
+              <a:rPr lang="en-US" sz="1400" dirty="0" err="1"/>
+              <a:t>en.wiktionary.org</a:t>
+            </a:r>
+            <a:r>
+              <a:rPr lang="en-US" sz="1400" dirty="0"/>
+              <a:t>/wiki/multi-paradigm</a:t>
+            </a:r>
+          </a:p>
+        </p:txBody>
+      </p:sp>
     </p:spTree>
     <p:extLst>
       <p:ext uri="{BB962C8B-B14F-4D97-AF65-F5344CB8AC3E}">
-        <p14:creationId xmlns:p14="http://schemas.microsoft.com/office/powerpoint/2010/main" val="166352359"/>
+        <p14:creationId xmlns:p14="http://schemas.microsoft.com/office/powerpoint/2010/main" val="1092842680"/>
       </p:ext>
     </p:extLst>
   </p:cSld>
@@ -5996,7 +6238,7 @@
           <p:cNvPr id="2" name="Title 1">
             <a:extLst>
               <a:ext uri="{FF2B5EF4-FFF2-40B4-BE49-F238E27FC236}">
-                <a16:creationId xmlns:a16="http://schemas.microsoft.com/office/drawing/2014/main" id="{8AB7C213-7E88-DB41-ACB9-CBB98B043260}"/>
+                <a16:creationId xmlns:a16="http://schemas.microsoft.com/office/drawing/2014/main" id="{7A913210-4B58-324E-85C2-F2B6BBECE105}"/>
               </a:ext>
             </a:extLst>
           </p:cNvPr>
@@ -6014,7 +6256,7 @@
           <a:p>
             <a:r>
               <a:rPr lang="en-US" dirty="0"/>
-              <a:t>What is a Multi-Paradigm Programming Language?</a:t>
+              <a:t>Why Study?</a:t>
             </a:r>
           </a:p>
         </p:txBody>
@@ -6024,7 +6266,7 @@
           <p:cNvPr id="3" name="Content Placeholder 2">
             <a:extLst>
               <a:ext uri="{FF2B5EF4-FFF2-40B4-BE49-F238E27FC236}">
-                <a16:creationId xmlns:a16="http://schemas.microsoft.com/office/drawing/2014/main" id="{BB467781-C1D4-D946-AA2E-AB678B7E978C}"/>
+                <a16:creationId xmlns:a16="http://schemas.microsoft.com/office/drawing/2014/main" id="{7F8ECED0-B2B7-2849-B136-FF82EFFD8205}"/>
               </a:ext>
             </a:extLst>
           </p:cNvPr>
@@ -6042,62 +6284,13 @@
           <a:p>
             <a:r>
               <a:rPr lang="en-US" dirty="0"/>
-              <a:t>A multi-paradigm programming language is a programming language supporting more than one programming paradigm, in order to allow the most suitable programming style for a task.</a:t>
-            </a:r>
-          </a:p>
-          <a:p>
-            <a:pPr marL="0" indent="0">
-              <a:buNone/>
-            </a:pPr>
+              <a:t>Different programming paradigms provide different tools/approaches to tackle programming challenges</a:t>
+            </a:r>
+          </a:p>
+          <a:p>
             <a:r>
               <a:rPr lang="en-US" dirty="0"/>
-              <a:t> </a:t>
-            </a:r>
-          </a:p>
-          <a:p>
-            <a:endParaRPr lang="en-US" dirty="0"/>
-          </a:p>
-        </p:txBody>
-      </p:sp>
-      <p:sp>
-        <p:nvSpPr>
-          <p:cNvPr id="4" name="TextBox 3">
-            <a:extLst>
-              <a:ext uri="{FF2B5EF4-FFF2-40B4-BE49-F238E27FC236}">
-                <a16:creationId xmlns:a16="http://schemas.microsoft.com/office/drawing/2014/main" id="{953A1FBB-AEE1-5444-87AC-D8616AAFD31E}"/>
-              </a:ext>
-            </a:extLst>
-          </p:cNvPr>
-          <p:cNvSpPr txBox="1"/>
-          <p:nvPr/>
-        </p:nvSpPr>
-        <p:spPr>
-          <a:xfrm>
-            <a:off x="2286000" y="6353861"/>
-            <a:ext cx="4310283" cy="307777"/>
-          </a:xfrm>
-          <a:prstGeom prst="rect">
-            <a:avLst/>
-          </a:prstGeom>
-          <a:noFill/>
-        </p:spPr>
-        <p:txBody>
-          <a:bodyPr wrap="none" rtlCol="0">
-            <a:spAutoFit/>
-          </a:bodyPr>
-          <a:lstStyle/>
-          <a:p>
-            <a:r>
-              <a:rPr lang="en-US" sz="1400" dirty="0"/>
-              <a:t>Source: https://</a:t>
-            </a:r>
-            <a:r>
-              <a:rPr lang="en-US" sz="1400" dirty="0" err="1"/>
-              <a:t>en.wiktionary.org</a:t>
-            </a:r>
-            <a:r>
-              <a:rPr lang="en-US" sz="1400" dirty="0"/>
-              <a:t>/wiki/multi-paradigm</a:t>
+              <a:t>Picking the right paradigm for the job at hand is an essential skill of every software developer</a:t>
             </a:r>
           </a:p>
         </p:txBody>
@@ -6105,7 +6298,7 @@
     </p:spTree>
     <p:extLst>
       <p:ext uri="{BB962C8B-B14F-4D97-AF65-F5344CB8AC3E}">
-        <p14:creationId xmlns:p14="http://schemas.microsoft.com/office/powerpoint/2010/main" val="1092842680"/>
+        <p14:creationId xmlns:p14="http://schemas.microsoft.com/office/powerpoint/2010/main" val="3602670588"/>
       </p:ext>
     </p:extLst>
   </p:cSld>
@@ -6211,7 +6404,7 @@
             <a:pPr lvl="1"/>
             <a:r>
               <a:rPr lang="en-US" dirty="0"/>
-              <a:t>pattern matching</a:t>
+              <a:t>Pattern matching</a:t>
             </a:r>
           </a:p>
           <a:p>

--- a/notes/csc493-ln001.pptx
+++ b/notes/csc493-ln001.pptx
@@ -5530,13 +5530,7 @@
               <a:rPr lang="en-US" sz="1800" dirty="0">
                 <a:hlinkClick r:id="rId2"/>
               </a:rPr>
-              <a:t>asteroid-lang.readthedocs.io/en/latest/Installing%20and%20Running</a:t>
-            </a:r>
-            <a:r>
-              <a:rPr lang="en-US" sz="1800">
-                <a:hlinkClick r:id="rId2"/>
-              </a:rPr>
-              <a:t>.html</a:t>
+              <a:t>asteroid-lang.readthedocs.io/en/latest/Installing%20and%20Running.html</a:t>
             </a:r>
             <a:endParaRPr lang="en-US" sz="2000" dirty="0"/>
           </a:p>
@@ -5830,8 +5824,13 @@
             </a:r>
             <a:r>
               <a:rPr lang="en-US" dirty="0"/>
-              <a:t> data structures.</a:t>
-            </a:r>
+              <a:t> data structures (</a:t>
+            </a:r>
+            <a:r>
+              <a:rPr lang="en-US"/>
+              <a:t>declarative programming).</a:t>
+            </a:r>
+            <a:endParaRPr lang="en-US" dirty="0"/>
           </a:p>
         </p:txBody>
       </p:sp>
@@ -6023,7 +6022,7 @@
         <p:spPr>
           <a:xfrm>
             <a:off x="5105400" y="5688051"/>
-            <a:ext cx="3366627" cy="954107"/>
+            <a:ext cx="3562129" cy="954107"/>
           </a:xfrm>
           <a:prstGeom prst="rect">
             <a:avLst/>
@@ -6054,7 +6053,7 @@
             </a:r>
             <a:r>
               <a:rPr lang="en-US" sz="1400" dirty="0"/>
-              <a:t> statements – not structured!</a:t>
+              <a:t> statements – not structured!  Think C.</a:t>
             </a:r>
           </a:p>
           <a:p>
